--- a/1-Docker/Presentation.pptx
+++ b/1-Docker/Presentation.pptx
@@ -5583,10 +5583,42 @@
               <a:rPr lang="en-US" dirty="0" err="1"/>
               <a:t>Dockerfile</a:t>
             </a:r>
-            <a:endParaRPr lang="en-US"/>
-          </a:p>
-          <a:p>
-            <a:endParaRPr lang="en-KR"/>
+            <a:endParaRPr lang="en-US" dirty="0"/>
+          </a:p>
+          <a:p>
+            <a:endParaRPr lang="en-US" dirty="0"/>
+          </a:p>
+          <a:p>
+            <a:pPr marL="0" indent="0">
+              <a:buNone/>
+            </a:pPr>
+            <a:r>
+              <a:rPr lang="en-US" dirty="0"/>
+              <a:t>-&gt; </a:t>
+            </a:r>
+            <a:r>
+              <a:rPr lang="ko-KR" altLang="en-US" dirty="0"/>
+              <a:t>이미지를 </a:t>
+            </a:r>
+            <a:r>
+              <a:rPr lang="ko-KR" altLang="en-US" dirty="0" err="1"/>
+              <a:t>어셈블</a:t>
+            </a:r>
+            <a:r>
+              <a:rPr lang="ko-KR" altLang="en-US" dirty="0"/>
+              <a:t> 하기 위해서 유저가 터미널에 입력하는 </a:t>
+            </a:r>
+            <a:endParaRPr lang="en-US" altLang="ko-KR" dirty="0"/>
+          </a:p>
+          <a:p>
+            <a:pPr marL="0" indent="0">
+              <a:buNone/>
+            </a:pPr>
+            <a:r>
+              <a:rPr lang="ko-KR" altLang="en-US" dirty="0"/>
+              <a:t>모든 명령들을 담은 텍스트 문서</a:t>
+            </a:r>
+            <a:endParaRPr lang="en-KR" dirty="0"/>
           </a:p>
         </p:txBody>
       </p:sp>

--- a/1-Docker/Presentation.pptx
+++ b/1-Docker/Presentation.pptx
@@ -5,7 +5,7 @@
     <p:sldMasterId id="2147483648" r:id="rId1"/>
   </p:sldMasterIdLst>
   <p:notesMasterIdLst>
-    <p:notesMasterId r:id="rId14"/>
+    <p:notesMasterId r:id="rId20"/>
   </p:notesMasterIdLst>
   <p:sldIdLst>
     <p:sldId id="256" r:id="rId2"/>
@@ -18,8 +18,14 @@
     <p:sldId id="263" r:id="rId9"/>
     <p:sldId id="264" r:id="rId10"/>
     <p:sldId id="265" r:id="rId11"/>
-    <p:sldId id="266" r:id="rId12"/>
-    <p:sldId id="267" r:id="rId13"/>
+    <p:sldId id="273" r:id="rId12"/>
+    <p:sldId id="266" r:id="rId13"/>
+    <p:sldId id="267" r:id="rId14"/>
+    <p:sldId id="268" r:id="rId15"/>
+    <p:sldId id="269" r:id="rId16"/>
+    <p:sldId id="271" r:id="rId17"/>
+    <p:sldId id="270" r:id="rId18"/>
+    <p:sldId id="272" r:id="rId19"/>
   </p:sldIdLst>
   <p:sldSz cx="12192000" cy="6858000"/>
   <p:notesSz cx="6858000" cy="9144000"/>
@@ -1566,6 +1572,268 @@
 </p:notes>
 </file>
 
+<file path=ppt/notesSlides/notesSlide7.xml><?xml version="1.0" encoding="utf-8"?>
+<p:notes xmlns:a="http://schemas.openxmlformats.org/drawingml/2006/main" xmlns:r="http://schemas.openxmlformats.org/officeDocument/2006/relationships" xmlns:p="http://schemas.openxmlformats.org/presentationml/2006/main">
+  <p:cSld>
+    <p:spTree>
+      <p:nvGrpSpPr>
+        <p:cNvPr id="1" name=""/>
+        <p:cNvGrpSpPr/>
+        <p:nvPr/>
+      </p:nvGrpSpPr>
+      <p:grpSpPr>
+        <a:xfrm>
+          <a:off x="0" y="0"/>
+          <a:ext cx="0" cy="0"/>
+          <a:chOff x="0" y="0"/>
+          <a:chExt cx="0" cy="0"/>
+        </a:xfrm>
+      </p:grpSpPr>
+      <p:sp>
+        <p:nvSpPr>
+          <p:cNvPr id="2" name="Slide Image Placeholder 1"/>
+          <p:cNvSpPr>
+            <a:spLocks noGrp="1" noRot="1" noChangeAspect="1"/>
+          </p:cNvSpPr>
+          <p:nvPr>
+            <p:ph type="sldImg"/>
+          </p:nvPr>
+        </p:nvSpPr>
+        <p:spPr/>
+      </p:sp>
+      <p:sp>
+        <p:nvSpPr>
+          <p:cNvPr id="3" name="Notes Placeholder 2"/>
+          <p:cNvSpPr>
+            <a:spLocks noGrp="1"/>
+          </p:cNvSpPr>
+          <p:nvPr>
+            <p:ph type="body" idx="1"/>
+          </p:nvPr>
+        </p:nvSpPr>
+        <p:spPr/>
+        <p:txBody>
+          <a:bodyPr/>
+          <a:lstStyle/>
+          <a:p>
+            <a:r>
+              <a:rPr lang="ko-KR" altLang="en-US" dirty="0"/>
+              <a:t>커널 공유</a:t>
+            </a:r>
+            <a:r>
+              <a:rPr lang="en-US" altLang="ko-KR" dirty="0"/>
+              <a:t>!</a:t>
+            </a:r>
+          </a:p>
+          <a:p>
+            <a:endParaRPr lang="en-KR" dirty="0"/>
+          </a:p>
+        </p:txBody>
+      </p:sp>
+      <p:sp>
+        <p:nvSpPr>
+          <p:cNvPr id="4" name="Slide Number Placeholder 3"/>
+          <p:cNvSpPr>
+            <a:spLocks noGrp="1"/>
+          </p:cNvSpPr>
+          <p:nvPr>
+            <p:ph type="sldNum" sz="quarter" idx="5"/>
+          </p:nvPr>
+        </p:nvSpPr>
+        <p:spPr/>
+        <p:txBody>
+          <a:bodyPr/>
+          <a:lstStyle/>
+          <a:p>
+            <a:fld id="{C2B82CCF-F1B6-F148-9E30-E3812FF53F89}" type="slidenum">
+              <a:rPr lang="en-KR" smtClean="0"/>
+              <a:t>11</a:t>
+            </a:fld>
+            <a:endParaRPr lang="en-KR"/>
+          </a:p>
+        </p:txBody>
+      </p:sp>
+    </p:spTree>
+    <p:extLst>
+      <p:ext uri="{BB962C8B-B14F-4D97-AF65-F5344CB8AC3E}">
+        <p14:creationId xmlns:p14="http://schemas.microsoft.com/office/powerpoint/2010/main" val="3235314938"/>
+      </p:ext>
+    </p:extLst>
+  </p:cSld>
+  <p:clrMapOvr>
+    <a:masterClrMapping/>
+  </p:clrMapOvr>
+</p:notes>
+</file>
+
+<file path=ppt/notesSlides/notesSlide8.xml><?xml version="1.0" encoding="utf-8"?>
+<p:notes xmlns:a="http://schemas.openxmlformats.org/drawingml/2006/main" xmlns:r="http://schemas.openxmlformats.org/officeDocument/2006/relationships" xmlns:p="http://schemas.openxmlformats.org/presentationml/2006/main">
+  <p:cSld>
+    <p:spTree>
+      <p:nvGrpSpPr>
+        <p:cNvPr id="1" name=""/>
+        <p:cNvGrpSpPr/>
+        <p:nvPr/>
+      </p:nvGrpSpPr>
+      <p:grpSpPr>
+        <a:xfrm>
+          <a:off x="0" y="0"/>
+          <a:ext cx="0" cy="0"/>
+          <a:chOff x="0" y="0"/>
+          <a:chExt cx="0" cy="0"/>
+        </a:xfrm>
+      </p:grpSpPr>
+      <p:sp>
+        <p:nvSpPr>
+          <p:cNvPr id="2" name="Slide Image Placeholder 1"/>
+          <p:cNvSpPr>
+            <a:spLocks noGrp="1" noRot="1" noChangeAspect="1"/>
+          </p:cNvSpPr>
+          <p:nvPr>
+            <p:ph type="sldImg"/>
+          </p:nvPr>
+        </p:nvSpPr>
+        <p:spPr/>
+      </p:sp>
+      <p:sp>
+        <p:nvSpPr>
+          <p:cNvPr id="3" name="Notes Placeholder 2"/>
+          <p:cNvSpPr>
+            <a:spLocks noGrp="1"/>
+          </p:cNvSpPr>
+          <p:nvPr>
+            <p:ph type="body" idx="1"/>
+          </p:nvPr>
+        </p:nvSpPr>
+        <p:spPr/>
+        <p:txBody>
+          <a:bodyPr/>
+          <a:lstStyle/>
+          <a:p>
+            <a:endParaRPr lang="en-KR" dirty="0"/>
+          </a:p>
+        </p:txBody>
+      </p:sp>
+      <p:sp>
+        <p:nvSpPr>
+          <p:cNvPr id="4" name="Slide Number Placeholder 3"/>
+          <p:cNvSpPr>
+            <a:spLocks noGrp="1"/>
+          </p:cNvSpPr>
+          <p:nvPr>
+            <p:ph type="sldNum" sz="quarter" idx="5"/>
+          </p:nvPr>
+        </p:nvSpPr>
+        <p:spPr/>
+        <p:txBody>
+          <a:bodyPr/>
+          <a:lstStyle/>
+          <a:p>
+            <a:fld id="{C2B82CCF-F1B6-F148-9E30-E3812FF53F89}" type="slidenum">
+              <a:rPr lang="en-KR" smtClean="0"/>
+              <a:t>17</a:t>
+            </a:fld>
+            <a:endParaRPr lang="en-KR"/>
+          </a:p>
+        </p:txBody>
+      </p:sp>
+    </p:spTree>
+    <p:extLst>
+      <p:ext uri="{BB962C8B-B14F-4D97-AF65-F5344CB8AC3E}">
+        <p14:creationId xmlns:p14="http://schemas.microsoft.com/office/powerpoint/2010/main" val="985521004"/>
+      </p:ext>
+    </p:extLst>
+  </p:cSld>
+  <p:clrMapOvr>
+    <a:masterClrMapping/>
+  </p:clrMapOvr>
+</p:notes>
+</file>
+
+<file path=ppt/notesSlides/notesSlide9.xml><?xml version="1.0" encoding="utf-8"?>
+<p:notes xmlns:a="http://schemas.openxmlformats.org/drawingml/2006/main" xmlns:r="http://schemas.openxmlformats.org/officeDocument/2006/relationships" xmlns:p="http://schemas.openxmlformats.org/presentationml/2006/main">
+  <p:cSld>
+    <p:spTree>
+      <p:nvGrpSpPr>
+        <p:cNvPr id="1" name=""/>
+        <p:cNvGrpSpPr/>
+        <p:nvPr/>
+      </p:nvGrpSpPr>
+      <p:grpSpPr>
+        <a:xfrm>
+          <a:off x="0" y="0"/>
+          <a:ext cx="0" cy="0"/>
+          <a:chOff x="0" y="0"/>
+          <a:chExt cx="0" cy="0"/>
+        </a:xfrm>
+      </p:grpSpPr>
+      <p:sp>
+        <p:nvSpPr>
+          <p:cNvPr id="2" name="Slide Image Placeholder 1"/>
+          <p:cNvSpPr>
+            <a:spLocks noGrp="1" noRot="1" noChangeAspect="1"/>
+          </p:cNvSpPr>
+          <p:nvPr>
+            <p:ph type="sldImg"/>
+          </p:nvPr>
+        </p:nvSpPr>
+        <p:spPr/>
+      </p:sp>
+      <p:sp>
+        <p:nvSpPr>
+          <p:cNvPr id="3" name="Notes Placeholder 2"/>
+          <p:cNvSpPr>
+            <a:spLocks noGrp="1"/>
+          </p:cNvSpPr>
+          <p:nvPr>
+            <p:ph type="body" idx="1"/>
+          </p:nvPr>
+        </p:nvSpPr>
+        <p:spPr/>
+        <p:txBody>
+          <a:bodyPr/>
+          <a:lstStyle/>
+          <a:p>
+            <a:endParaRPr lang="en-KR" dirty="0"/>
+          </a:p>
+        </p:txBody>
+      </p:sp>
+      <p:sp>
+        <p:nvSpPr>
+          <p:cNvPr id="4" name="Slide Number Placeholder 3"/>
+          <p:cNvSpPr>
+            <a:spLocks noGrp="1"/>
+          </p:cNvSpPr>
+          <p:nvPr>
+            <p:ph type="sldNum" sz="quarter" idx="5"/>
+          </p:nvPr>
+        </p:nvSpPr>
+        <p:spPr/>
+        <p:txBody>
+          <a:bodyPr/>
+          <a:lstStyle/>
+          <a:p>
+            <a:fld id="{C2B82CCF-F1B6-F148-9E30-E3812FF53F89}" type="slidenum">
+              <a:rPr lang="en-KR" smtClean="0"/>
+              <a:t>18</a:t>
+            </a:fld>
+            <a:endParaRPr lang="en-KR"/>
+          </a:p>
+        </p:txBody>
+      </p:sp>
+    </p:spTree>
+    <p:extLst>
+      <p:ext uri="{BB962C8B-B14F-4D97-AF65-F5344CB8AC3E}">
+        <p14:creationId xmlns:p14="http://schemas.microsoft.com/office/powerpoint/2010/main" val="238759917"/>
+      </p:ext>
+    </p:extLst>
+  </p:cSld>
+  <p:clrMapOvr>
+    <a:masterClrMapping/>
+  </p:clrMapOvr>
+</p:notes>
+</file>
+
 <file path=ppt/slideLayouts/slideLayout1.xml><?xml version="1.0" encoding="utf-8"?>
 <p:sldLayout xmlns:a="http://schemas.openxmlformats.org/drawingml/2006/main" xmlns:r="http://schemas.openxmlformats.org/officeDocument/2006/relationships" xmlns:p="http://schemas.openxmlformats.org/presentationml/2006/main" type="title" preserve="1">
   <p:cSld name="Title Slide">
@@ -5241,264 +5509,64 @@
           <a:chExt cx="0" cy="0"/>
         </a:xfrm>
       </p:grpSpPr>
-      <p:sp>
-        <p:nvSpPr>
-          <p:cNvPr id="2" name="Title 1">
-            <a:extLst>
-              <a:ext uri="{FF2B5EF4-FFF2-40B4-BE49-F238E27FC236}">
-                <a16:creationId xmlns:a16="http://schemas.microsoft.com/office/drawing/2014/main" id="{9DC3DF45-036A-6A4A-9A14-FFDB47A909E0}"/>
-              </a:ext>
-            </a:extLst>
-          </p:cNvPr>
-          <p:cNvSpPr>
-            <a:spLocks noGrp="1"/>
-          </p:cNvSpPr>
-          <p:nvPr>
-            <p:ph type="title"/>
-          </p:nvPr>
-        </p:nvSpPr>
-        <p:spPr/>
-        <p:txBody>
-          <a:bodyPr/>
-          <a:lstStyle/>
-          <a:p>
-            <a:r>
-              <a:rPr lang="en-US" dirty="0"/>
-              <a:t>Timeline</a:t>
-            </a:r>
-            <a:endParaRPr lang="en-KR" dirty="0"/>
-          </a:p>
-        </p:txBody>
-      </p:sp>
-      <p:sp>
-        <p:nvSpPr>
-          <p:cNvPr id="3" name="Content Placeholder 2">
-            <a:extLst>
-              <a:ext uri="{FF2B5EF4-FFF2-40B4-BE49-F238E27FC236}">
-                <a16:creationId xmlns:a16="http://schemas.microsoft.com/office/drawing/2014/main" id="{939D9BF5-F28B-2542-9A3F-480FCEFE34BB}"/>
-              </a:ext>
-            </a:extLst>
-          </p:cNvPr>
-          <p:cNvSpPr>
-            <a:spLocks noGrp="1"/>
-          </p:cNvSpPr>
-          <p:nvPr>
-            <p:ph sz="half" idx="1"/>
-          </p:nvPr>
-        </p:nvSpPr>
+      <p:pic>
+        <p:nvPicPr>
+          <p:cNvPr id="5" name="Content Placeholder 4">
+            <a:extLst>
+              <a:ext uri="{FF2B5EF4-FFF2-40B4-BE49-F238E27FC236}">
+                <a16:creationId xmlns:a16="http://schemas.microsoft.com/office/drawing/2014/main" id="{EE86A236-3C67-964D-8D82-F9CB2C056F8B}"/>
+              </a:ext>
+            </a:extLst>
+          </p:cNvPr>
+          <p:cNvPicPr>
+            <a:picLocks noGrp="1" noChangeAspect="1"/>
+          </p:cNvPicPr>
+          <p:nvPr>
+            <p:ph idx="1"/>
+          </p:nvPr>
+        </p:nvPicPr>
+        <p:blipFill>
+          <a:blip r:embed="rId3"/>
+          <a:stretch>
+            <a:fillRect/>
+          </a:stretch>
+        </p:blipFill>
         <p:spPr>
           <a:xfrm>
-            <a:off x="838200" y="1825625"/>
-            <a:ext cx="10515600" cy="1603375"/>
+            <a:off x="897205" y="1027906"/>
+            <a:ext cx="10397590" cy="4921526"/>
           </a:xfrm>
         </p:spPr>
-        <p:txBody>
-          <a:bodyPr>
-            <a:normAutofit/>
-          </a:bodyPr>
-          <a:lstStyle/>
-          <a:p>
-            <a:r>
-              <a:rPr lang="ko-KR" altLang="en-US" sz="2400" dirty="0"/>
-              <a:t>로컬</a:t>
-            </a:r>
-            <a:r>
-              <a:rPr lang="en-US" altLang="ko-KR" sz="2400" dirty="0"/>
-              <a:t>(</a:t>
-            </a:r>
-            <a:r>
-              <a:rPr lang="ko-KR" altLang="en-US" sz="2400" dirty="0"/>
-              <a:t>개발환경</a:t>
-            </a:r>
-            <a:r>
-              <a:rPr lang="en-US" altLang="ko-KR" sz="2400" dirty="0"/>
-              <a:t>)</a:t>
-            </a:r>
-          </a:p>
-          <a:p>
-            <a:endParaRPr lang="en-US" sz="2400" dirty="0"/>
-          </a:p>
-          <a:p>
-            <a:pPr marL="0" indent="0">
-              <a:buNone/>
-            </a:pPr>
-            <a:r>
-              <a:rPr lang="ko-KR" altLang="en-US" sz="2400" dirty="0"/>
-              <a:t>코딩 </a:t>
-            </a:r>
-            <a:r>
-              <a:rPr lang="en-US" altLang="ko-KR" sz="2400" dirty="0"/>
-              <a:t>~</a:t>
-            </a:r>
-            <a:r>
-              <a:rPr lang="ko-KR" altLang="en-US" sz="2400" dirty="0"/>
-              <a:t> </a:t>
-            </a:r>
-            <a:r>
-              <a:rPr lang="en-US" altLang="ko-KR" sz="2400" dirty="0"/>
-              <a:t>-&gt; Project </a:t>
-            </a:r>
-            <a:r>
-              <a:rPr lang="ko-KR" altLang="en-US" sz="2400" dirty="0"/>
-              <a:t>완성</a:t>
-            </a:r>
-            <a:r>
-              <a:rPr lang="en-US" altLang="ko-KR" sz="2400" dirty="0"/>
-              <a:t>!</a:t>
-            </a:r>
-            <a:r>
-              <a:rPr lang="ko-KR" altLang="en-US" sz="2400" dirty="0"/>
-              <a:t> </a:t>
-            </a:r>
-            <a:r>
-              <a:rPr lang="en-US" altLang="ko-KR" sz="2400" dirty="0"/>
-              <a:t>-&gt;</a:t>
-            </a:r>
-            <a:r>
-              <a:rPr lang="ko-KR" altLang="en-US" sz="2400" dirty="0"/>
-              <a:t> </a:t>
-            </a:r>
-            <a:r>
-              <a:rPr lang="en-US" altLang="ko-KR" sz="2400" dirty="0"/>
-              <a:t>docker image build (</a:t>
-            </a:r>
-            <a:r>
-              <a:rPr lang="ko-KR" altLang="en-US" sz="2400" dirty="0"/>
-              <a:t>이미지 생성</a:t>
-            </a:r>
-            <a:r>
-              <a:rPr lang="en-US" altLang="ko-KR" sz="2400" dirty="0"/>
-              <a:t>)</a:t>
-            </a:r>
-            <a:r>
-              <a:rPr lang="ko-KR" altLang="en-US" sz="2400" dirty="0"/>
-              <a:t> </a:t>
-            </a:r>
-            <a:r>
-              <a:rPr lang="en-US" altLang="ko-KR" sz="2400" dirty="0"/>
-              <a:t>-&gt;</a:t>
-            </a:r>
-            <a:r>
-              <a:rPr lang="ko-KR" altLang="en-US" sz="2400" dirty="0"/>
-              <a:t>  </a:t>
-            </a:r>
-            <a:r>
-              <a:rPr lang="en-US" altLang="ko-KR" sz="2400" dirty="0"/>
-              <a:t>Push image </a:t>
-            </a:r>
-            <a:r>
-              <a:rPr lang="en-US" altLang="ko-KR" sz="1600" dirty="0"/>
-              <a:t>(</a:t>
-            </a:r>
-            <a:r>
-              <a:rPr lang="ko-KR" altLang="en-US" sz="1600" dirty="0"/>
-              <a:t>업로드</a:t>
-            </a:r>
-            <a:r>
-              <a:rPr lang="en-US" altLang="ko-KR" sz="1600" dirty="0"/>
-              <a:t>)</a:t>
-            </a:r>
-            <a:endParaRPr lang="en-KR" sz="3200" dirty="0"/>
-          </a:p>
-        </p:txBody>
-      </p:sp>
-      <p:sp>
-        <p:nvSpPr>
-          <p:cNvPr id="4" name="Content Placeholder 3">
-            <a:extLst>
-              <a:ext uri="{FF2B5EF4-FFF2-40B4-BE49-F238E27FC236}">
-                <a16:creationId xmlns:a16="http://schemas.microsoft.com/office/drawing/2014/main" id="{D0573424-B65D-6846-BA99-C4381500B19D}"/>
-              </a:ext>
-            </a:extLst>
-          </p:cNvPr>
-          <p:cNvSpPr>
-            <a:spLocks noGrp="1"/>
-          </p:cNvSpPr>
-          <p:nvPr>
-            <p:ph sz="half" idx="2"/>
-          </p:nvPr>
-        </p:nvSpPr>
-        <p:spPr>
-          <a:xfrm>
-            <a:off x="838200" y="3872005"/>
-            <a:ext cx="10515600" cy="1603375"/>
-          </a:xfrm>
-        </p:spPr>
-        <p:txBody>
-          <a:bodyPr>
-            <a:normAutofit/>
-          </a:bodyPr>
-          <a:lstStyle/>
-          <a:p>
-            <a:r>
-              <a:rPr lang="ko-KR" altLang="en-US" dirty="0"/>
-              <a:t>서버</a:t>
-            </a:r>
-            <a:endParaRPr lang="en-US" altLang="ko-KR" dirty="0"/>
-          </a:p>
-          <a:p>
-            <a:endParaRPr lang="en-US" dirty="0"/>
-          </a:p>
-          <a:p>
-            <a:pPr marL="0" indent="0">
-              <a:buNone/>
-            </a:pPr>
-            <a:r>
-              <a:rPr lang="en-US" dirty="0"/>
-              <a:t>Pull image (</a:t>
-            </a:r>
-            <a:r>
-              <a:rPr lang="ko-KR" altLang="en-US" dirty="0"/>
-              <a:t>다운로드</a:t>
-            </a:r>
-            <a:r>
-              <a:rPr lang="en-US" dirty="0"/>
-              <a:t>)</a:t>
-            </a:r>
-            <a:r>
-              <a:rPr lang="ko-KR" altLang="en-US" dirty="0"/>
-              <a:t> </a:t>
-            </a:r>
-            <a:r>
-              <a:rPr lang="en-US" altLang="ko-KR" dirty="0"/>
-              <a:t>-&gt;</a:t>
-            </a:r>
-            <a:r>
-              <a:rPr lang="ko-KR" altLang="en-US" dirty="0"/>
-              <a:t> </a:t>
-            </a:r>
-            <a:r>
-              <a:rPr lang="en-US" altLang="ko-KR" dirty="0"/>
-              <a:t>docker run (</a:t>
-            </a:r>
-            <a:r>
-              <a:rPr lang="ko-KR" altLang="en-US" dirty="0"/>
-              <a:t>컨테이너 생성 및 실행</a:t>
-            </a:r>
-            <a:r>
-              <a:rPr lang="en-US" altLang="ko-KR" dirty="0"/>
-              <a:t>)</a:t>
-            </a:r>
-            <a:r>
-              <a:rPr lang="ko-KR" altLang="en-US" dirty="0"/>
-              <a:t> </a:t>
-            </a:r>
-            <a:r>
-              <a:rPr lang="en-US" altLang="ko-KR" dirty="0"/>
-              <a:t>-&gt;</a:t>
-            </a:r>
-            <a:r>
-              <a:rPr lang="ko-KR" altLang="en-US" dirty="0"/>
-              <a:t> 사용</a:t>
-            </a:r>
-            <a:endParaRPr lang="en-KR" dirty="0"/>
+      </p:pic>
+      <p:sp>
+        <p:nvSpPr>
+          <p:cNvPr id="4" name="Title 3">
+            <a:extLst>
+              <a:ext uri="{FF2B5EF4-FFF2-40B4-BE49-F238E27FC236}">
+                <a16:creationId xmlns:a16="http://schemas.microsoft.com/office/drawing/2014/main" id="{B1DDF4DF-2B45-9C4C-BD65-4FA901185271}"/>
+              </a:ext>
+            </a:extLst>
+          </p:cNvPr>
+          <p:cNvSpPr>
+            <a:spLocks noGrp="1"/>
+          </p:cNvSpPr>
+          <p:nvPr>
+            <p:ph type="title"/>
+          </p:nvPr>
+        </p:nvSpPr>
+        <p:spPr/>
+        <p:txBody>
+          <a:bodyPr/>
+          <a:lstStyle/>
+          <a:p>
+            <a:endParaRPr lang="en-KR"/>
           </a:p>
         </p:txBody>
       </p:sp>
     </p:spTree>
     <p:extLst>
       <p:ext uri="{BB962C8B-B14F-4D97-AF65-F5344CB8AC3E}">
-        <p14:creationId xmlns:p14="http://schemas.microsoft.com/office/powerpoint/2010/main" val="1007061903"/>
+        <p14:creationId xmlns:p14="http://schemas.microsoft.com/office/powerpoint/2010/main" val="1085232625"/>
       </p:ext>
     </p:extLst>
   </p:cSld>
@@ -5530,6 +5598,290 @@
           <p:cNvPr id="2" name="Title 1">
             <a:extLst>
               <a:ext uri="{FF2B5EF4-FFF2-40B4-BE49-F238E27FC236}">
+                <a16:creationId xmlns:a16="http://schemas.microsoft.com/office/drawing/2014/main" id="{9DC3DF45-036A-6A4A-9A14-FFDB47A909E0}"/>
+              </a:ext>
+            </a:extLst>
+          </p:cNvPr>
+          <p:cNvSpPr>
+            <a:spLocks noGrp="1"/>
+          </p:cNvSpPr>
+          <p:nvPr>
+            <p:ph type="title"/>
+          </p:nvPr>
+        </p:nvSpPr>
+        <p:spPr/>
+        <p:txBody>
+          <a:bodyPr/>
+          <a:lstStyle/>
+          <a:p>
+            <a:r>
+              <a:rPr lang="en-US" dirty="0"/>
+              <a:t>Timeline</a:t>
+            </a:r>
+            <a:endParaRPr lang="en-KR" dirty="0"/>
+          </a:p>
+        </p:txBody>
+      </p:sp>
+      <p:sp>
+        <p:nvSpPr>
+          <p:cNvPr id="3" name="Content Placeholder 2">
+            <a:extLst>
+              <a:ext uri="{FF2B5EF4-FFF2-40B4-BE49-F238E27FC236}">
+                <a16:creationId xmlns:a16="http://schemas.microsoft.com/office/drawing/2014/main" id="{939D9BF5-F28B-2542-9A3F-480FCEFE34BB}"/>
+              </a:ext>
+            </a:extLst>
+          </p:cNvPr>
+          <p:cNvSpPr>
+            <a:spLocks noGrp="1"/>
+          </p:cNvSpPr>
+          <p:nvPr>
+            <p:ph sz="half" idx="1"/>
+          </p:nvPr>
+        </p:nvSpPr>
+        <p:spPr>
+          <a:xfrm>
+            <a:off x="838200" y="1825625"/>
+            <a:ext cx="10515600" cy="1603375"/>
+          </a:xfrm>
+        </p:spPr>
+        <p:txBody>
+          <a:bodyPr>
+            <a:normAutofit/>
+          </a:bodyPr>
+          <a:lstStyle/>
+          <a:p>
+            <a:r>
+              <a:rPr lang="ko-KR" altLang="en-US" sz="2400" dirty="0"/>
+              <a:t>로컬</a:t>
+            </a:r>
+            <a:r>
+              <a:rPr lang="en-US" altLang="ko-KR" sz="2400" dirty="0"/>
+              <a:t>(</a:t>
+            </a:r>
+            <a:r>
+              <a:rPr lang="ko-KR" altLang="en-US" sz="2400" dirty="0"/>
+              <a:t>개발환경</a:t>
+            </a:r>
+            <a:r>
+              <a:rPr lang="en-US" altLang="ko-KR" sz="2400" dirty="0"/>
+              <a:t>)</a:t>
+            </a:r>
+          </a:p>
+          <a:p>
+            <a:endParaRPr lang="en-US" sz="2400" dirty="0"/>
+          </a:p>
+          <a:p>
+            <a:pPr marL="0" indent="0">
+              <a:buNone/>
+            </a:pPr>
+            <a:r>
+              <a:rPr lang="ko-KR" altLang="en-US" sz="2400" dirty="0"/>
+              <a:t>코딩 </a:t>
+            </a:r>
+            <a:r>
+              <a:rPr lang="en-US" altLang="ko-KR" sz="2400" dirty="0"/>
+              <a:t>~</a:t>
+            </a:r>
+            <a:r>
+              <a:rPr lang="ko-KR" altLang="en-US" sz="2400" dirty="0"/>
+              <a:t> </a:t>
+            </a:r>
+            <a:r>
+              <a:rPr lang="en-US" altLang="ko-KR" sz="2400" dirty="0"/>
+              <a:t>-&gt; Project </a:t>
+            </a:r>
+            <a:r>
+              <a:rPr lang="ko-KR" altLang="en-US" sz="2400" dirty="0"/>
+              <a:t>완성</a:t>
+            </a:r>
+            <a:r>
+              <a:rPr lang="en-US" altLang="ko-KR" sz="2400" dirty="0"/>
+              <a:t>!</a:t>
+            </a:r>
+            <a:r>
+              <a:rPr lang="ko-KR" altLang="en-US" sz="2400" dirty="0"/>
+              <a:t> </a:t>
+            </a:r>
+            <a:r>
+              <a:rPr lang="en-US" altLang="ko-KR" sz="2400" dirty="0"/>
+              <a:t>-&gt;</a:t>
+            </a:r>
+            <a:r>
+              <a:rPr lang="ko-KR" altLang="en-US" sz="2400" dirty="0"/>
+              <a:t> </a:t>
+            </a:r>
+            <a:r>
+              <a:rPr lang="en-US" altLang="ko-KR" sz="2400" dirty="0"/>
+              <a:t>docker image build (</a:t>
+            </a:r>
+            <a:r>
+              <a:rPr lang="ko-KR" altLang="en-US" sz="2400" dirty="0"/>
+              <a:t>이미지 생성</a:t>
+            </a:r>
+            <a:r>
+              <a:rPr lang="en-US" altLang="ko-KR" sz="2400" dirty="0"/>
+              <a:t>)</a:t>
+            </a:r>
+            <a:r>
+              <a:rPr lang="ko-KR" altLang="en-US" sz="2400" dirty="0"/>
+              <a:t> </a:t>
+            </a:r>
+            <a:r>
+              <a:rPr lang="en-US" altLang="ko-KR" sz="2400" dirty="0"/>
+              <a:t>-&gt;</a:t>
+            </a:r>
+            <a:r>
+              <a:rPr lang="ko-KR" altLang="en-US" sz="2400" dirty="0"/>
+              <a:t>  </a:t>
+            </a:r>
+            <a:r>
+              <a:rPr lang="en-US" altLang="ko-KR" sz="2400" dirty="0"/>
+              <a:t>Push image </a:t>
+            </a:r>
+            <a:r>
+              <a:rPr lang="en-US" altLang="ko-KR" sz="1600" dirty="0"/>
+              <a:t>(</a:t>
+            </a:r>
+            <a:r>
+              <a:rPr lang="ko-KR" altLang="en-US" sz="1600" dirty="0"/>
+              <a:t>업로드</a:t>
+            </a:r>
+            <a:r>
+              <a:rPr lang="en-US" altLang="ko-KR" sz="1600" dirty="0"/>
+              <a:t>)</a:t>
+            </a:r>
+            <a:endParaRPr lang="en-KR" sz="3200" dirty="0"/>
+          </a:p>
+        </p:txBody>
+      </p:sp>
+      <p:sp>
+        <p:nvSpPr>
+          <p:cNvPr id="4" name="Content Placeholder 3">
+            <a:extLst>
+              <a:ext uri="{FF2B5EF4-FFF2-40B4-BE49-F238E27FC236}">
+                <a16:creationId xmlns:a16="http://schemas.microsoft.com/office/drawing/2014/main" id="{D0573424-B65D-6846-BA99-C4381500B19D}"/>
+              </a:ext>
+            </a:extLst>
+          </p:cNvPr>
+          <p:cNvSpPr>
+            <a:spLocks noGrp="1"/>
+          </p:cNvSpPr>
+          <p:nvPr>
+            <p:ph sz="half" idx="2"/>
+          </p:nvPr>
+        </p:nvSpPr>
+        <p:spPr>
+          <a:xfrm>
+            <a:off x="838200" y="3872005"/>
+            <a:ext cx="10515600" cy="1603375"/>
+          </a:xfrm>
+        </p:spPr>
+        <p:txBody>
+          <a:bodyPr>
+            <a:normAutofit/>
+          </a:bodyPr>
+          <a:lstStyle/>
+          <a:p>
+            <a:r>
+              <a:rPr lang="ko-KR" altLang="en-US" dirty="0"/>
+              <a:t>서버</a:t>
+            </a:r>
+            <a:endParaRPr lang="en-US" altLang="ko-KR" dirty="0"/>
+          </a:p>
+          <a:p>
+            <a:endParaRPr lang="en-US" dirty="0"/>
+          </a:p>
+          <a:p>
+            <a:pPr marL="0" indent="0">
+              <a:buNone/>
+            </a:pPr>
+            <a:r>
+              <a:rPr lang="en-US" dirty="0"/>
+              <a:t>Pull image (</a:t>
+            </a:r>
+            <a:r>
+              <a:rPr lang="ko-KR" altLang="en-US" dirty="0"/>
+              <a:t>다운로드</a:t>
+            </a:r>
+            <a:r>
+              <a:rPr lang="en-US" dirty="0"/>
+              <a:t>)</a:t>
+            </a:r>
+            <a:r>
+              <a:rPr lang="ko-KR" altLang="en-US" dirty="0"/>
+              <a:t> </a:t>
+            </a:r>
+            <a:r>
+              <a:rPr lang="en-US" altLang="ko-KR" dirty="0"/>
+              <a:t>-&gt;</a:t>
+            </a:r>
+            <a:r>
+              <a:rPr lang="ko-KR" altLang="en-US" dirty="0"/>
+              <a:t> </a:t>
+            </a:r>
+            <a:r>
+              <a:rPr lang="en-US" altLang="ko-KR" dirty="0"/>
+              <a:t>docker run (</a:t>
+            </a:r>
+            <a:r>
+              <a:rPr lang="ko-KR" altLang="en-US" dirty="0"/>
+              <a:t>컨테이너 생성 및 실행</a:t>
+            </a:r>
+            <a:r>
+              <a:rPr lang="en-US" altLang="ko-KR" dirty="0"/>
+              <a:t>)</a:t>
+            </a:r>
+            <a:r>
+              <a:rPr lang="ko-KR" altLang="en-US" dirty="0"/>
+              <a:t> </a:t>
+            </a:r>
+            <a:r>
+              <a:rPr lang="en-US" altLang="ko-KR" dirty="0"/>
+              <a:t>-&gt;</a:t>
+            </a:r>
+            <a:r>
+              <a:rPr lang="ko-KR" altLang="en-US" dirty="0"/>
+              <a:t> 사용</a:t>
+            </a:r>
+            <a:endParaRPr lang="en-KR" dirty="0"/>
+          </a:p>
+        </p:txBody>
+      </p:sp>
+    </p:spTree>
+    <p:extLst>
+      <p:ext uri="{BB962C8B-B14F-4D97-AF65-F5344CB8AC3E}">
+        <p14:creationId xmlns:p14="http://schemas.microsoft.com/office/powerpoint/2010/main" val="1007061903"/>
+      </p:ext>
+    </p:extLst>
+  </p:cSld>
+  <p:clrMapOvr>
+    <a:masterClrMapping/>
+  </p:clrMapOvr>
+</p:sld>
+</file>
+
+<file path=ppt/slides/slide13.xml><?xml version="1.0" encoding="utf-8"?>
+<p:sld xmlns:a="http://schemas.openxmlformats.org/drawingml/2006/main" xmlns:r="http://schemas.openxmlformats.org/officeDocument/2006/relationships" xmlns:p="http://schemas.openxmlformats.org/presentationml/2006/main">
+  <p:cSld>
+    <p:spTree>
+      <p:nvGrpSpPr>
+        <p:cNvPr id="1" name=""/>
+        <p:cNvGrpSpPr/>
+        <p:nvPr/>
+      </p:nvGrpSpPr>
+      <p:grpSpPr>
+        <a:xfrm>
+          <a:off x="0" y="0"/>
+          <a:ext cx="0" cy="0"/>
+          <a:chOff x="0" y="0"/>
+          <a:chExt cx="0" cy="0"/>
+        </a:xfrm>
+      </p:grpSpPr>
+      <p:sp>
+        <p:nvSpPr>
+          <p:cNvPr id="2" name="Title 1">
+            <a:extLst>
+              <a:ext uri="{FF2B5EF4-FFF2-40B4-BE49-F238E27FC236}">
                 <a16:creationId xmlns:a16="http://schemas.microsoft.com/office/drawing/2014/main" id="{FF4670CD-6210-4F4D-A029-4FC975A4AC76}"/>
               </a:ext>
             </a:extLst>
@@ -5626,6 +5978,1358 @@
     <p:extLst>
       <p:ext uri="{BB962C8B-B14F-4D97-AF65-F5344CB8AC3E}">
         <p14:creationId xmlns:p14="http://schemas.microsoft.com/office/powerpoint/2010/main" val="3080625168"/>
+      </p:ext>
+    </p:extLst>
+  </p:cSld>
+  <p:clrMapOvr>
+    <a:masterClrMapping/>
+  </p:clrMapOvr>
+</p:sld>
+</file>
+
+<file path=ppt/slides/slide14.xml><?xml version="1.0" encoding="utf-8"?>
+<p:sld xmlns:a="http://schemas.openxmlformats.org/drawingml/2006/main" xmlns:r="http://schemas.openxmlformats.org/officeDocument/2006/relationships" xmlns:p="http://schemas.openxmlformats.org/presentationml/2006/main">
+  <p:cSld>
+    <p:spTree>
+      <p:nvGrpSpPr>
+        <p:cNvPr id="1" name=""/>
+        <p:cNvGrpSpPr/>
+        <p:nvPr/>
+      </p:nvGrpSpPr>
+      <p:grpSpPr>
+        <a:xfrm>
+          <a:off x="0" y="0"/>
+          <a:ext cx="0" cy="0"/>
+          <a:chOff x="0" y="0"/>
+          <a:chExt cx="0" cy="0"/>
+        </a:xfrm>
+      </p:grpSpPr>
+      <p:sp>
+        <p:nvSpPr>
+          <p:cNvPr id="2" name="Title 1">
+            <a:extLst>
+              <a:ext uri="{FF2B5EF4-FFF2-40B4-BE49-F238E27FC236}">
+                <a16:creationId xmlns:a16="http://schemas.microsoft.com/office/drawing/2014/main" id="{7AE99EA5-328D-6C44-BF84-82B8726C86DA}"/>
+              </a:ext>
+            </a:extLst>
+          </p:cNvPr>
+          <p:cNvSpPr>
+            <a:spLocks noGrp="1"/>
+          </p:cNvSpPr>
+          <p:nvPr>
+            <p:ph type="title"/>
+          </p:nvPr>
+        </p:nvSpPr>
+        <p:spPr/>
+        <p:txBody>
+          <a:bodyPr/>
+          <a:lstStyle/>
+          <a:p>
+            <a:endParaRPr lang="en-KR"/>
+          </a:p>
+        </p:txBody>
+      </p:sp>
+      <p:pic>
+        <p:nvPicPr>
+          <p:cNvPr id="5" name="Content Placeholder 4">
+            <a:extLst>
+              <a:ext uri="{FF2B5EF4-FFF2-40B4-BE49-F238E27FC236}">
+                <a16:creationId xmlns:a16="http://schemas.microsoft.com/office/drawing/2014/main" id="{B6F1BAB4-469E-9E44-9C4F-0BE9E3A635F9}"/>
+              </a:ext>
+            </a:extLst>
+          </p:cNvPr>
+          <p:cNvPicPr>
+            <a:picLocks noGrp="1" noChangeAspect="1"/>
+          </p:cNvPicPr>
+          <p:nvPr>
+            <p:ph idx="1"/>
+          </p:nvPr>
+        </p:nvPicPr>
+        <p:blipFill>
+          <a:blip r:embed="rId2"/>
+          <a:stretch>
+            <a:fillRect/>
+          </a:stretch>
+        </p:blipFill>
+        <p:spPr>
+          <a:xfrm>
+            <a:off x="340658" y="-247580"/>
+            <a:ext cx="11013141" cy="7701072"/>
+          </a:xfrm>
+        </p:spPr>
+      </p:pic>
+    </p:spTree>
+    <p:extLst>
+      <p:ext uri="{BB962C8B-B14F-4D97-AF65-F5344CB8AC3E}">
+        <p14:creationId xmlns:p14="http://schemas.microsoft.com/office/powerpoint/2010/main" val="3001565648"/>
+      </p:ext>
+    </p:extLst>
+  </p:cSld>
+  <p:clrMapOvr>
+    <a:masterClrMapping/>
+  </p:clrMapOvr>
+</p:sld>
+</file>
+
+<file path=ppt/slides/slide15.xml><?xml version="1.0" encoding="utf-8"?>
+<p:sld xmlns:a="http://schemas.openxmlformats.org/drawingml/2006/main" xmlns:r="http://schemas.openxmlformats.org/officeDocument/2006/relationships" xmlns:p="http://schemas.openxmlformats.org/presentationml/2006/main">
+  <p:cSld>
+    <p:spTree>
+      <p:nvGrpSpPr>
+        <p:cNvPr id="1" name=""/>
+        <p:cNvGrpSpPr/>
+        <p:nvPr/>
+      </p:nvGrpSpPr>
+      <p:grpSpPr>
+        <a:xfrm>
+          <a:off x="0" y="0"/>
+          <a:ext cx="0" cy="0"/>
+          <a:chOff x="0" y="0"/>
+          <a:chExt cx="0" cy="0"/>
+        </a:xfrm>
+      </p:grpSpPr>
+      <p:sp>
+        <p:nvSpPr>
+          <p:cNvPr id="2" name="Title 1">
+            <a:extLst>
+              <a:ext uri="{FF2B5EF4-FFF2-40B4-BE49-F238E27FC236}">
+                <a16:creationId xmlns:a16="http://schemas.microsoft.com/office/drawing/2014/main" id="{FF4670CD-6210-4F4D-A029-4FC975A4AC76}"/>
+              </a:ext>
+            </a:extLst>
+          </p:cNvPr>
+          <p:cNvSpPr>
+            <a:spLocks noGrp="1"/>
+          </p:cNvSpPr>
+          <p:nvPr>
+            <p:ph type="title"/>
+          </p:nvPr>
+        </p:nvSpPr>
+        <p:spPr/>
+        <p:txBody>
+          <a:bodyPr/>
+          <a:lstStyle/>
+          <a:p>
+            <a:r>
+              <a:rPr lang="en-US" dirty="0"/>
+              <a:t>Build Image</a:t>
+            </a:r>
+            <a:endParaRPr lang="en-KR" dirty="0"/>
+          </a:p>
+        </p:txBody>
+      </p:sp>
+      <p:sp>
+        <p:nvSpPr>
+          <p:cNvPr id="3" name="Content Placeholder 2">
+            <a:extLst>
+              <a:ext uri="{FF2B5EF4-FFF2-40B4-BE49-F238E27FC236}">
+                <a16:creationId xmlns:a16="http://schemas.microsoft.com/office/drawing/2014/main" id="{E1222AAA-3764-C947-8914-10FC59D64A87}"/>
+              </a:ext>
+            </a:extLst>
+          </p:cNvPr>
+          <p:cNvSpPr>
+            <a:spLocks noGrp="1"/>
+          </p:cNvSpPr>
+          <p:nvPr>
+            <p:ph idx="1"/>
+          </p:nvPr>
+        </p:nvSpPr>
+        <p:spPr>
+          <a:xfrm>
+            <a:off x="838199" y="1690688"/>
+            <a:ext cx="10515600" cy="4351338"/>
+          </a:xfrm>
+        </p:spPr>
+        <p:txBody>
+          <a:bodyPr/>
+          <a:lstStyle/>
+          <a:p>
+            <a:r>
+              <a:rPr lang="en-US" dirty="0"/>
+              <a:t>docker build  &lt;</a:t>
+            </a:r>
+            <a:r>
+              <a:rPr lang="ko-KR" altLang="en-US" dirty="0"/>
+              <a:t>옵션</a:t>
+            </a:r>
+            <a:r>
+              <a:rPr lang="en-US" dirty="0"/>
+              <a:t>&gt;</a:t>
+            </a:r>
+            <a:r>
+              <a:rPr lang="ko-KR" altLang="en-US" dirty="0"/>
+              <a:t> </a:t>
+            </a:r>
+            <a:r>
+              <a:rPr lang="en-US" altLang="ko-KR" dirty="0"/>
+              <a:t>&lt;</a:t>
+            </a:r>
+            <a:r>
+              <a:rPr lang="en-US" altLang="ko-KR" dirty="0" err="1"/>
+              <a:t>Dockerfile</a:t>
+            </a:r>
+            <a:r>
+              <a:rPr lang="en-US" altLang="ko-KR" dirty="0"/>
+              <a:t> </a:t>
+            </a:r>
+            <a:r>
+              <a:rPr lang="ko-KR" altLang="en-US" dirty="0"/>
+              <a:t>경로</a:t>
+            </a:r>
+            <a:r>
+              <a:rPr lang="en-US" altLang="ko-KR" dirty="0"/>
+              <a:t>&gt;</a:t>
+            </a:r>
+          </a:p>
+          <a:p>
+            <a:endParaRPr lang="en-US" dirty="0"/>
+          </a:p>
+          <a:p>
+            <a:r>
+              <a:rPr lang="ko-KR" altLang="en-US" dirty="0"/>
+              <a:t>옵션</a:t>
+            </a:r>
+            <a:endParaRPr lang="en-US" altLang="ko-KR" dirty="0"/>
+          </a:p>
+          <a:p>
+            <a:pPr marL="0" indent="0">
+              <a:buNone/>
+            </a:pPr>
+            <a:r>
+              <a:rPr lang="en-US" altLang="ko-KR" dirty="0"/>
+              <a:t>--force-rm=false : </a:t>
+            </a:r>
+            <a:r>
+              <a:rPr lang="ko-KR" altLang="en-US" dirty="0"/>
+              <a:t>이미지 생성 </a:t>
+            </a:r>
+            <a:r>
+              <a:rPr lang="ko-KR" altLang="en-US" dirty="0" err="1"/>
+              <a:t>실패시</a:t>
+            </a:r>
+            <a:r>
+              <a:rPr lang="en-US" altLang="ko-KR" dirty="0"/>
+              <a:t>,</a:t>
+            </a:r>
+            <a:r>
+              <a:rPr lang="ko-KR" altLang="en-US" dirty="0"/>
+              <a:t> 임시 컨테이너 삭제</a:t>
+            </a:r>
+            <a:endParaRPr lang="en-US" altLang="ko-KR" dirty="0"/>
+          </a:p>
+          <a:p>
+            <a:pPr marL="0" indent="0">
+              <a:buNone/>
+            </a:pPr>
+            <a:endParaRPr lang="en-US" dirty="0"/>
+          </a:p>
+          <a:p>
+            <a:pPr marL="0" indent="0">
+              <a:buNone/>
+            </a:pPr>
+            <a:r>
+              <a:rPr lang="en-US" altLang="ko-KR" dirty="0"/>
+              <a:t>-t, -tag = </a:t>
+            </a:r>
+            <a:r>
+              <a:rPr lang="ko-KR" altLang="en-US" dirty="0"/>
+              <a:t>이름 </a:t>
+            </a:r>
+            <a:r>
+              <a:rPr lang="en-US" altLang="ko-KR" dirty="0"/>
+              <a:t>:</a:t>
+            </a:r>
+            <a:r>
+              <a:rPr lang="ko-KR" altLang="en-US" dirty="0"/>
+              <a:t> 저장소 이름 붙여주기</a:t>
+            </a:r>
+            <a:endParaRPr lang="en-US" altLang="ko-KR" dirty="0"/>
+          </a:p>
+          <a:p>
+            <a:pPr marL="0" indent="0">
+              <a:buNone/>
+            </a:pPr>
+            <a:r>
+              <a:rPr lang="ko-KR" altLang="en-US" dirty="0"/>
+              <a:t> </a:t>
+            </a:r>
+            <a:r>
+              <a:rPr lang="en-US" altLang="ko-KR" dirty="0"/>
+              <a:t>:</a:t>
+            </a:r>
+            <a:endParaRPr lang="en-KR" altLang="ko-KR" dirty="0"/>
+          </a:p>
+          <a:p>
+            <a:pPr marL="0" indent="0">
+              <a:buNone/>
+            </a:pPr>
+            <a:r>
+              <a:rPr lang="ko-KR" altLang="en-US" dirty="0"/>
+              <a:t> </a:t>
+            </a:r>
+            <a:r>
+              <a:rPr lang="en-US" altLang="ko-KR" dirty="0"/>
+              <a:t>:</a:t>
+            </a:r>
+            <a:endParaRPr lang="en-US" dirty="0"/>
+          </a:p>
+        </p:txBody>
+      </p:sp>
+      <p:sp>
+        <p:nvSpPr>
+          <p:cNvPr id="4" name="Title 1">
+            <a:extLst>
+              <a:ext uri="{FF2B5EF4-FFF2-40B4-BE49-F238E27FC236}">
+                <a16:creationId xmlns:a16="http://schemas.microsoft.com/office/drawing/2014/main" id="{FAEEA000-C7D5-154E-B4B8-90966B49624B}"/>
+              </a:ext>
+            </a:extLst>
+          </p:cNvPr>
+          <p:cNvSpPr txBox="1">
+            <a:spLocks/>
+          </p:cNvSpPr>
+          <p:nvPr/>
+        </p:nvSpPr>
+        <p:spPr>
+          <a:xfrm>
+            <a:off x="102635" y="5681727"/>
+            <a:ext cx="11986727" cy="1325563"/>
+          </a:xfrm>
+          <a:prstGeom prst="rect">
+            <a:avLst/>
+          </a:prstGeom>
+        </p:spPr>
+        <p:txBody>
+          <a:bodyPr vert="horz" lIns="91440" tIns="45720" rIns="91440" bIns="45720" rtlCol="0" anchor="ctr">
+            <a:normAutofit/>
+          </a:bodyPr>
+          <a:lstStyle>
+            <a:lvl1pPr algn="l" defTabSz="914400" rtl="0" eaLnBrk="1" latinLnBrk="0" hangingPunct="1">
+              <a:lnSpc>
+                <a:spcPct val="90000"/>
+              </a:lnSpc>
+              <a:spcBef>
+                <a:spcPct val="0"/>
+              </a:spcBef>
+              <a:buNone/>
+              <a:defRPr sz="4400" kern="1200">
+                <a:solidFill>
+                  <a:schemeClr val="tx1"/>
+                </a:solidFill>
+                <a:latin typeface="+mj-lt"/>
+                <a:ea typeface="+mj-ea"/>
+                <a:cs typeface="+mj-cs"/>
+              </a:defRPr>
+            </a:lvl1pPr>
+          </a:lstStyle>
+          <a:p>
+            <a:pPr algn="ctr"/>
+            <a:r>
+              <a:rPr lang="en-US" sz="3600" b="1" dirty="0">
+                <a:solidFill>
+                  <a:srgbClr val="00B050"/>
+                </a:solidFill>
+              </a:rPr>
+              <a:t>docker build -t </a:t>
+            </a:r>
+            <a:r>
+              <a:rPr lang="ko-KR" altLang="en-US" sz="2800" dirty="0">
+                <a:solidFill>
+                  <a:srgbClr val="00B050"/>
+                </a:solidFill>
+              </a:rPr>
+              <a:t>이름</a:t>
+            </a:r>
+            <a:r>
+              <a:rPr lang="en-US" sz="3600" b="1" dirty="0">
+                <a:solidFill>
+                  <a:srgbClr val="00B050"/>
+                </a:solidFill>
+              </a:rPr>
+              <a:t> /Users/</a:t>
+            </a:r>
+            <a:r>
+              <a:rPr lang="en-US" sz="3600" b="1" dirty="0" err="1">
+                <a:solidFill>
+                  <a:srgbClr val="00B050"/>
+                </a:solidFill>
+              </a:rPr>
+              <a:t>seouuuukjin</a:t>
+            </a:r>
+            <a:r>
+              <a:rPr lang="en-US" sz="3600" b="1" dirty="0">
+                <a:solidFill>
+                  <a:srgbClr val="00B050"/>
+                </a:solidFill>
+              </a:rPr>
+              <a:t>/</a:t>
+            </a:r>
+            <a:r>
+              <a:rPr lang="en-US" altLang="ko-KR" sz="3600" b="1" dirty="0">
+                <a:solidFill>
+                  <a:srgbClr val="00B050"/>
+                </a:solidFill>
+              </a:rPr>
+              <a:t>…</a:t>
+            </a:r>
+            <a:r>
+              <a:rPr lang="en-US" sz="3600" b="1" dirty="0">
+                <a:solidFill>
+                  <a:srgbClr val="00B050"/>
+                </a:solidFill>
+              </a:rPr>
+              <a:t>/sample-project</a:t>
+            </a:r>
+            <a:endParaRPr lang="en-US" sz="3600" dirty="0">
+              <a:solidFill>
+                <a:srgbClr val="00B050"/>
+              </a:solidFill>
+            </a:endParaRPr>
+          </a:p>
+          <a:p>
+            <a:endParaRPr lang="en-KR" dirty="0"/>
+          </a:p>
+        </p:txBody>
+      </p:sp>
+    </p:spTree>
+    <p:extLst>
+      <p:ext uri="{BB962C8B-B14F-4D97-AF65-F5344CB8AC3E}">
+        <p14:creationId xmlns:p14="http://schemas.microsoft.com/office/powerpoint/2010/main" val="622946684"/>
+      </p:ext>
+    </p:extLst>
+  </p:cSld>
+  <p:clrMapOvr>
+    <a:masterClrMapping/>
+  </p:clrMapOvr>
+</p:sld>
+</file>
+
+<file path=ppt/slides/slide16.xml><?xml version="1.0" encoding="utf-8"?>
+<p:sld xmlns:a="http://schemas.openxmlformats.org/drawingml/2006/main" xmlns:r="http://schemas.openxmlformats.org/officeDocument/2006/relationships" xmlns:p="http://schemas.openxmlformats.org/presentationml/2006/main">
+  <p:cSld>
+    <p:spTree>
+      <p:nvGrpSpPr>
+        <p:cNvPr id="1" name=""/>
+        <p:cNvGrpSpPr/>
+        <p:nvPr/>
+      </p:nvGrpSpPr>
+      <p:grpSpPr>
+        <a:xfrm>
+          <a:off x="0" y="0"/>
+          <a:ext cx="0" cy="0"/>
+          <a:chOff x="0" y="0"/>
+          <a:chExt cx="0" cy="0"/>
+        </a:xfrm>
+      </p:grpSpPr>
+      <p:sp>
+        <p:nvSpPr>
+          <p:cNvPr id="2" name="Title 1">
+            <a:extLst>
+              <a:ext uri="{FF2B5EF4-FFF2-40B4-BE49-F238E27FC236}">
+                <a16:creationId xmlns:a16="http://schemas.microsoft.com/office/drawing/2014/main" id="{FF4670CD-6210-4F4D-A029-4FC975A4AC76}"/>
+              </a:ext>
+            </a:extLst>
+          </p:cNvPr>
+          <p:cNvSpPr>
+            <a:spLocks noGrp="1"/>
+          </p:cNvSpPr>
+          <p:nvPr>
+            <p:ph type="title"/>
+          </p:nvPr>
+        </p:nvSpPr>
+        <p:spPr/>
+        <p:txBody>
+          <a:bodyPr/>
+          <a:lstStyle/>
+          <a:p>
+            <a:r>
+              <a:rPr lang="en-US" dirty="0"/>
+              <a:t>Build Image</a:t>
+            </a:r>
+            <a:endParaRPr lang="en-KR" dirty="0"/>
+          </a:p>
+        </p:txBody>
+      </p:sp>
+      <p:sp>
+        <p:nvSpPr>
+          <p:cNvPr id="3" name="Content Placeholder 2">
+            <a:extLst>
+              <a:ext uri="{FF2B5EF4-FFF2-40B4-BE49-F238E27FC236}">
+                <a16:creationId xmlns:a16="http://schemas.microsoft.com/office/drawing/2014/main" id="{E1222AAA-3764-C947-8914-10FC59D64A87}"/>
+              </a:ext>
+            </a:extLst>
+          </p:cNvPr>
+          <p:cNvSpPr>
+            <a:spLocks noGrp="1"/>
+          </p:cNvSpPr>
+          <p:nvPr>
+            <p:ph idx="1"/>
+          </p:nvPr>
+        </p:nvSpPr>
+        <p:spPr>
+          <a:xfrm>
+            <a:off x="838200" y="1825625"/>
+            <a:ext cx="11086322" cy="4351338"/>
+          </a:xfrm>
+        </p:spPr>
+        <p:txBody>
+          <a:bodyPr/>
+          <a:lstStyle/>
+          <a:p>
+            <a:r>
+              <a:rPr lang="en-US" dirty="0"/>
+              <a:t>docker images</a:t>
+            </a:r>
+          </a:p>
+          <a:p>
+            <a:endParaRPr lang="en-US" dirty="0"/>
+          </a:p>
+          <a:p>
+            <a:r>
+              <a:rPr lang="en-US" dirty="0"/>
+              <a:t>docker </a:t>
+            </a:r>
+            <a:r>
+              <a:rPr lang="en-US" dirty="0" err="1"/>
+              <a:t>rmi</a:t>
+            </a:r>
+            <a:r>
+              <a:rPr lang="en-US" dirty="0"/>
+              <a:t> [</a:t>
+            </a:r>
+            <a:r>
+              <a:rPr lang="ko-KR" altLang="en-US" dirty="0"/>
+              <a:t>이미지</a:t>
+            </a:r>
+            <a:r>
+              <a:rPr lang="en-US" altLang="ko-KR" dirty="0"/>
+              <a:t>id</a:t>
+            </a:r>
+            <a:r>
+              <a:rPr lang="en-US" dirty="0"/>
+              <a:t>]</a:t>
+            </a:r>
+          </a:p>
+          <a:p>
+            <a:pPr marL="0" indent="0">
+              <a:buNone/>
+            </a:pPr>
+            <a:r>
+              <a:rPr lang="en-KR" dirty="0"/>
+              <a:t>   :</a:t>
+            </a:r>
+          </a:p>
+          <a:p>
+            <a:pPr marL="0" indent="0">
+              <a:buNone/>
+            </a:pPr>
+            <a:r>
+              <a:rPr lang="en-KR" dirty="0"/>
+              <a:t>   :</a:t>
+            </a:r>
+          </a:p>
+          <a:p>
+            <a:r>
+              <a:rPr lang="en-US" dirty="0"/>
+              <a:t>d</a:t>
+            </a:r>
+            <a:r>
+              <a:rPr lang="en-KR" dirty="0"/>
+              <a:t>ocker pull [</a:t>
+            </a:r>
+            <a:r>
+              <a:rPr lang="ko-KR" altLang="en-US" dirty="0"/>
+              <a:t>이미지</a:t>
+            </a:r>
+            <a:r>
+              <a:rPr lang="en-US" altLang="ko-KR" dirty="0"/>
+              <a:t>id]		</a:t>
+            </a:r>
+            <a:r>
+              <a:rPr lang="en-US" altLang="ko-KR" sz="2000" dirty="0">
+                <a:solidFill>
+                  <a:srgbClr val="00B050"/>
+                </a:solidFill>
+              </a:rPr>
+              <a:t>//Docker hub</a:t>
+            </a:r>
+            <a:r>
+              <a:rPr lang="ko-KR" altLang="en-US" sz="2000" dirty="0">
+                <a:solidFill>
+                  <a:srgbClr val="00B050"/>
+                </a:solidFill>
+              </a:rPr>
+              <a:t> 에서 </a:t>
+            </a:r>
+            <a:endParaRPr lang="en-US" altLang="ko-KR" sz="2000" dirty="0">
+              <a:solidFill>
+                <a:srgbClr val="00B050"/>
+              </a:solidFill>
+            </a:endParaRPr>
+          </a:p>
+          <a:p>
+            <a:pPr marL="0" indent="0">
+              <a:buNone/>
+            </a:pPr>
+            <a:r>
+              <a:rPr lang="en-US" altLang="ko-KR" sz="2000" dirty="0">
+                <a:solidFill>
+                  <a:srgbClr val="00B050"/>
+                </a:solidFill>
+              </a:rPr>
+              <a:t>					</a:t>
+            </a:r>
+            <a:r>
+              <a:rPr lang="ko-KR" altLang="en-US" sz="2000" dirty="0">
+                <a:solidFill>
+                  <a:srgbClr val="00B050"/>
+                </a:solidFill>
+              </a:rPr>
+              <a:t>레지스트리 서버</a:t>
+            </a:r>
+            <a:r>
+              <a:rPr lang="en-US" altLang="ko-KR" sz="2000" dirty="0">
+                <a:solidFill>
+                  <a:srgbClr val="00B050"/>
+                </a:solidFill>
+              </a:rPr>
+              <a:t>(=</a:t>
+            </a:r>
+            <a:r>
+              <a:rPr lang="ko-KR" altLang="en-US" sz="2000" dirty="0">
+                <a:solidFill>
+                  <a:srgbClr val="00B050"/>
+                </a:solidFill>
+              </a:rPr>
+              <a:t>개인 </a:t>
+            </a:r>
+            <a:r>
+              <a:rPr lang="en-US" altLang="ko-KR" sz="2000" dirty="0">
+                <a:solidFill>
+                  <a:srgbClr val="00B050"/>
+                </a:solidFill>
+              </a:rPr>
+              <a:t>docker</a:t>
+            </a:r>
+            <a:r>
+              <a:rPr lang="ko-KR" altLang="en-US" sz="2000" dirty="0">
+                <a:solidFill>
+                  <a:srgbClr val="00B050"/>
+                </a:solidFill>
+              </a:rPr>
+              <a:t> 저장소 </a:t>
+            </a:r>
+            <a:r>
+              <a:rPr lang="en-US" altLang="ko-KR" sz="2000" dirty="0">
+                <a:solidFill>
+                  <a:srgbClr val="00B050"/>
+                </a:solidFill>
+              </a:rPr>
+              <a:t>)</a:t>
+            </a:r>
+            <a:r>
+              <a:rPr lang="ko-KR" altLang="en-US" sz="2000" dirty="0">
+                <a:solidFill>
+                  <a:srgbClr val="00B050"/>
+                </a:solidFill>
+              </a:rPr>
+              <a:t> 에 이미지 받기</a:t>
+            </a:r>
+            <a:endParaRPr lang="en-US" altLang="ko-KR" sz="2000" dirty="0">
+              <a:solidFill>
+                <a:srgbClr val="00B050"/>
+              </a:solidFill>
+            </a:endParaRPr>
+          </a:p>
+          <a:p>
+            <a:pPr marL="0" indent="0">
+              <a:buNone/>
+            </a:pPr>
+            <a:endParaRPr lang="en-US" altLang="ko-KR" sz="2000" dirty="0">
+              <a:solidFill>
+                <a:srgbClr val="00B050"/>
+              </a:solidFill>
+            </a:endParaRPr>
+          </a:p>
+          <a:p>
+            <a:r>
+              <a:rPr lang="en-US" altLang="ko-KR" dirty="0"/>
+              <a:t>docker tag -&gt; docker push	</a:t>
+            </a:r>
+            <a:r>
+              <a:rPr lang="en-US" altLang="ko-KR" sz="2000" dirty="0">
+                <a:solidFill>
+                  <a:srgbClr val="00B050"/>
+                </a:solidFill>
+              </a:rPr>
+              <a:t>//</a:t>
+            </a:r>
+            <a:r>
+              <a:rPr lang="ko-KR" altLang="en-US" sz="2000" dirty="0">
+                <a:solidFill>
+                  <a:srgbClr val="00B050"/>
+                </a:solidFill>
+              </a:rPr>
+              <a:t>이미지 태그 </a:t>
+            </a:r>
+            <a:r>
+              <a:rPr lang="ko-KR" altLang="en-US" sz="2000" dirty="0" err="1">
+                <a:solidFill>
+                  <a:srgbClr val="00B050"/>
+                </a:solidFill>
+              </a:rPr>
+              <a:t>설정후</a:t>
+            </a:r>
+            <a:r>
+              <a:rPr lang="ko-KR" altLang="en-US" sz="2000" dirty="0">
+                <a:solidFill>
+                  <a:srgbClr val="00B050"/>
+                </a:solidFill>
+              </a:rPr>
+              <a:t> 올리기</a:t>
+            </a:r>
+            <a:endParaRPr lang="en-US" altLang="ko-KR" dirty="0">
+              <a:solidFill>
+                <a:srgbClr val="00B050"/>
+              </a:solidFill>
+            </a:endParaRPr>
+          </a:p>
+        </p:txBody>
+      </p:sp>
+    </p:spTree>
+    <p:extLst>
+      <p:ext uri="{BB962C8B-B14F-4D97-AF65-F5344CB8AC3E}">
+        <p14:creationId xmlns:p14="http://schemas.microsoft.com/office/powerpoint/2010/main" val="122323225"/>
+      </p:ext>
+    </p:extLst>
+  </p:cSld>
+  <p:clrMapOvr>
+    <a:masterClrMapping/>
+  </p:clrMapOvr>
+</p:sld>
+</file>
+
+<file path=ppt/slides/slide17.xml><?xml version="1.0" encoding="utf-8"?>
+<p:sld xmlns:a="http://schemas.openxmlformats.org/drawingml/2006/main" xmlns:r="http://schemas.openxmlformats.org/officeDocument/2006/relationships" xmlns:p="http://schemas.openxmlformats.org/presentationml/2006/main">
+  <p:cSld>
+    <p:spTree>
+      <p:nvGrpSpPr>
+        <p:cNvPr id="1" name=""/>
+        <p:cNvGrpSpPr/>
+        <p:nvPr/>
+      </p:nvGrpSpPr>
+      <p:grpSpPr>
+        <a:xfrm>
+          <a:off x="0" y="0"/>
+          <a:ext cx="0" cy="0"/>
+          <a:chOff x="0" y="0"/>
+          <a:chExt cx="0" cy="0"/>
+        </a:xfrm>
+      </p:grpSpPr>
+      <p:sp>
+        <p:nvSpPr>
+          <p:cNvPr id="2" name="Title 1">
+            <a:extLst>
+              <a:ext uri="{FF2B5EF4-FFF2-40B4-BE49-F238E27FC236}">
+                <a16:creationId xmlns:a16="http://schemas.microsoft.com/office/drawing/2014/main" id="{FF4670CD-6210-4F4D-A029-4FC975A4AC76}"/>
+              </a:ext>
+            </a:extLst>
+          </p:cNvPr>
+          <p:cNvSpPr>
+            <a:spLocks noGrp="1"/>
+          </p:cNvSpPr>
+          <p:nvPr>
+            <p:ph type="title"/>
+          </p:nvPr>
+        </p:nvSpPr>
+        <p:spPr/>
+        <p:txBody>
+          <a:bodyPr/>
+          <a:lstStyle/>
+          <a:p>
+            <a:r>
+              <a:rPr lang="en-US" dirty="0"/>
+              <a:t>Run image</a:t>
+            </a:r>
+            <a:endParaRPr lang="en-KR" dirty="0"/>
+          </a:p>
+        </p:txBody>
+      </p:sp>
+      <p:sp>
+        <p:nvSpPr>
+          <p:cNvPr id="3" name="Content Placeholder 2">
+            <a:extLst>
+              <a:ext uri="{FF2B5EF4-FFF2-40B4-BE49-F238E27FC236}">
+                <a16:creationId xmlns:a16="http://schemas.microsoft.com/office/drawing/2014/main" id="{E1222AAA-3764-C947-8914-10FC59D64A87}"/>
+              </a:ext>
+            </a:extLst>
+          </p:cNvPr>
+          <p:cNvSpPr>
+            <a:spLocks noGrp="1"/>
+          </p:cNvSpPr>
+          <p:nvPr>
+            <p:ph idx="1"/>
+          </p:nvPr>
+        </p:nvSpPr>
+        <p:spPr>
+          <a:xfrm>
+            <a:off x="838200" y="1485415"/>
+            <a:ext cx="10515600" cy="4161453"/>
+          </a:xfrm>
+        </p:spPr>
+        <p:txBody>
+          <a:bodyPr>
+            <a:normAutofit fontScale="92500" lnSpcReduction="20000"/>
+          </a:bodyPr>
+          <a:lstStyle/>
+          <a:p>
+            <a:r>
+              <a:rPr lang="en-US" dirty="0"/>
+              <a:t>docker run &lt;</a:t>
+            </a:r>
+            <a:r>
+              <a:rPr lang="ko-KR" altLang="en-US" dirty="0"/>
+              <a:t>옵션</a:t>
+            </a:r>
+            <a:r>
+              <a:rPr lang="en-US" altLang="ko-KR" dirty="0"/>
+              <a:t>&gt; &lt;</a:t>
+            </a:r>
+            <a:r>
+              <a:rPr lang="ko-KR" altLang="en-US" dirty="0"/>
+              <a:t>이미지 이름 또는 </a:t>
+            </a:r>
+            <a:r>
+              <a:rPr lang="en-US" altLang="ko-KR" dirty="0"/>
+              <a:t> </a:t>
+            </a:r>
+            <a:r>
+              <a:rPr lang="en-US" dirty="0"/>
+              <a:t>ID&gt; &lt;</a:t>
+            </a:r>
+            <a:r>
+              <a:rPr lang="ko-KR" altLang="en-US" dirty="0"/>
+              <a:t>명령</a:t>
+            </a:r>
+            <a:r>
+              <a:rPr lang="en-US" altLang="ko-KR" dirty="0"/>
+              <a:t>&gt; &lt;</a:t>
+            </a:r>
+            <a:r>
+              <a:rPr lang="ko-KR" altLang="en-US" dirty="0"/>
+              <a:t>매개 변수</a:t>
+            </a:r>
+            <a:r>
+              <a:rPr lang="en-US" altLang="ko-KR" dirty="0"/>
+              <a:t>&gt;</a:t>
+            </a:r>
+          </a:p>
+          <a:p>
+            <a:endParaRPr lang="en-US" dirty="0"/>
+          </a:p>
+          <a:p>
+            <a:r>
+              <a:rPr lang="ko-KR" altLang="en-US" dirty="0"/>
+              <a:t>옵션</a:t>
+            </a:r>
+            <a:endParaRPr lang="en-US" altLang="ko-KR" dirty="0"/>
+          </a:p>
+          <a:p>
+            <a:endParaRPr lang="en-US" altLang="ko-KR" dirty="0"/>
+          </a:p>
+          <a:p>
+            <a:pPr marL="0" indent="0">
+              <a:buNone/>
+            </a:pPr>
+            <a:r>
+              <a:rPr lang="en-US" altLang="ko-KR" sz="3200" dirty="0"/>
+              <a:t>-d : </a:t>
+            </a:r>
+            <a:r>
+              <a:rPr lang="en-US" altLang="ko-KR" sz="2000" dirty="0"/>
+              <a:t>detach </a:t>
+            </a:r>
+            <a:r>
+              <a:rPr lang="ko-KR" altLang="en-US" sz="2000" dirty="0"/>
+              <a:t>모드로 실행 </a:t>
+            </a:r>
+            <a:r>
+              <a:rPr lang="en-US" altLang="ko-KR" sz="2000" dirty="0"/>
+              <a:t>(=</a:t>
+            </a:r>
+            <a:r>
+              <a:rPr lang="ko-KR" altLang="en-US" sz="2000" dirty="0"/>
+              <a:t>백그라운드에서 </a:t>
+            </a:r>
+            <a:r>
+              <a:rPr lang="ko-KR" altLang="en-US" sz="2000" dirty="0" err="1"/>
+              <a:t>데몬이</a:t>
+            </a:r>
+            <a:r>
+              <a:rPr lang="ko-KR" altLang="en-US" sz="2000" dirty="0"/>
+              <a:t> 실행</a:t>
+            </a:r>
+            <a:r>
+              <a:rPr lang="en-US" altLang="ko-KR" sz="2000" dirty="0"/>
+              <a:t>)</a:t>
+            </a:r>
+          </a:p>
+          <a:p>
+            <a:pPr marL="0" indent="0">
+              <a:buNone/>
+            </a:pPr>
+            <a:r>
+              <a:rPr lang="en-US" altLang="ko-KR" sz="3200" dirty="0"/>
+              <a:t>-</a:t>
+            </a:r>
+            <a:r>
+              <a:rPr lang="en-US" altLang="ko-KR" sz="3200" dirty="0" err="1"/>
+              <a:t>i</a:t>
+            </a:r>
+            <a:r>
+              <a:rPr lang="en-US" altLang="ko-KR" sz="3200" dirty="0"/>
+              <a:t> : </a:t>
+            </a:r>
+            <a:r>
+              <a:rPr lang="ko-KR" altLang="en-US" sz="2000" dirty="0"/>
+              <a:t>표준 입력</a:t>
+            </a:r>
+            <a:r>
+              <a:rPr lang="en-US" altLang="ko-KR" sz="2000" dirty="0"/>
+              <a:t>(</a:t>
+            </a:r>
+            <a:r>
+              <a:rPr lang="en-US" sz="2000" dirty="0"/>
+              <a:t>stdin)</a:t>
+            </a:r>
+            <a:r>
+              <a:rPr lang="ko-KR" altLang="en-US" sz="2000" dirty="0"/>
+              <a:t>을 활성화 및 유지합니다</a:t>
+            </a:r>
+            <a:r>
+              <a:rPr lang="en-US" altLang="ko-KR" sz="2000" dirty="0"/>
+              <a:t>. </a:t>
+            </a:r>
+            <a:r>
+              <a:rPr lang="ko-KR" altLang="en-US" sz="2000" dirty="0"/>
+              <a:t>보통 이 옵션과 </a:t>
+            </a:r>
+            <a:r>
+              <a:rPr lang="en-US" altLang="ko-KR" sz="2000" dirty="0"/>
+              <a:t>–t</a:t>
+            </a:r>
+            <a:r>
+              <a:rPr lang="ko-KR" altLang="en-US" sz="2000" dirty="0" err="1"/>
+              <a:t>를</a:t>
+            </a:r>
+            <a:r>
+              <a:rPr lang="ko-KR" altLang="en-US" sz="2000" dirty="0"/>
+              <a:t> 같이 사용하여 </a:t>
+            </a:r>
+            <a:r>
+              <a:rPr lang="en-US" sz="2000" dirty="0"/>
+              <a:t>Bash</a:t>
+            </a:r>
+            <a:r>
+              <a:rPr lang="ko-KR" altLang="en-US" sz="2000" dirty="0"/>
+              <a:t>에 명령을 입력합니다</a:t>
+            </a:r>
+            <a:r>
+              <a:rPr lang="en-US" altLang="ko-KR" dirty="0"/>
+              <a:t>.</a:t>
+            </a:r>
+            <a:endParaRPr lang="en-KR" altLang="ko-KR" dirty="0"/>
+          </a:p>
+          <a:p>
+            <a:pPr marL="0" indent="0">
+              <a:buNone/>
+            </a:pPr>
+            <a:r>
+              <a:rPr lang="en-US" altLang="ko-KR" dirty="0"/>
+              <a:t>-p : </a:t>
+            </a:r>
+            <a:r>
+              <a:rPr lang="ko-KR" altLang="en-US" sz="2000" dirty="0"/>
+              <a:t>호스트에 연결된 컨테이너의 특정 포트를 외부에 노출합니다</a:t>
+            </a:r>
+            <a:endParaRPr lang="en-US" altLang="ko-KR" sz="2000" dirty="0"/>
+          </a:p>
+          <a:p>
+            <a:pPr marL="0" indent="0">
+              <a:buNone/>
+            </a:pPr>
+            <a:r>
+              <a:rPr lang="en-US" altLang="ko-KR" dirty="0"/>
+              <a:t>--name=””: </a:t>
+            </a:r>
+            <a:r>
+              <a:rPr lang="ko-KR" altLang="en-US" sz="2000" dirty="0"/>
+              <a:t>컨테이너</a:t>
+            </a:r>
+            <a:r>
+              <a:rPr lang="en-US" altLang="ko-KR" sz="2000" dirty="0"/>
+              <a:t> </a:t>
+            </a:r>
+            <a:r>
+              <a:rPr lang="ko-KR" altLang="en-US" sz="2000" dirty="0"/>
+              <a:t>이름을 설정합니다</a:t>
+            </a:r>
+            <a:r>
+              <a:rPr lang="en-US" altLang="ko-KR" sz="2000" dirty="0"/>
+              <a:t>.</a:t>
+            </a:r>
+          </a:p>
+          <a:p>
+            <a:pPr marL="0" indent="0">
+              <a:buNone/>
+            </a:pPr>
+            <a:r>
+              <a:rPr lang="en-US" altLang="ko-KR" sz="2000" dirty="0"/>
+              <a:t>.</a:t>
+            </a:r>
+            <a:endParaRPr lang="en-US" dirty="0"/>
+          </a:p>
+        </p:txBody>
+      </p:sp>
+      <p:sp>
+        <p:nvSpPr>
+          <p:cNvPr id="4" name="Title 1">
+            <a:extLst>
+              <a:ext uri="{FF2B5EF4-FFF2-40B4-BE49-F238E27FC236}">
+                <a16:creationId xmlns:a16="http://schemas.microsoft.com/office/drawing/2014/main" id="{1C1C6CCE-49E5-EA43-9088-E2E8268DFA37}"/>
+              </a:ext>
+            </a:extLst>
+          </p:cNvPr>
+          <p:cNvSpPr txBox="1">
+            <a:spLocks/>
+          </p:cNvSpPr>
+          <p:nvPr/>
+        </p:nvSpPr>
+        <p:spPr>
+          <a:xfrm>
+            <a:off x="-130630" y="5441595"/>
+            <a:ext cx="11986727" cy="1325563"/>
+          </a:xfrm>
+          <a:prstGeom prst="rect">
+            <a:avLst/>
+          </a:prstGeom>
+        </p:spPr>
+        <p:txBody>
+          <a:bodyPr vert="horz" lIns="91440" tIns="45720" rIns="91440" bIns="45720" rtlCol="0" anchor="ctr">
+            <a:normAutofit/>
+          </a:bodyPr>
+          <a:lstStyle>
+            <a:lvl1pPr algn="l" defTabSz="914400" rtl="0" eaLnBrk="1" latinLnBrk="0" hangingPunct="1">
+              <a:lnSpc>
+                <a:spcPct val="90000"/>
+              </a:lnSpc>
+              <a:spcBef>
+                <a:spcPct val="0"/>
+              </a:spcBef>
+              <a:buNone/>
+              <a:defRPr sz="4400" kern="1200">
+                <a:solidFill>
+                  <a:schemeClr val="tx1"/>
+                </a:solidFill>
+                <a:latin typeface="+mj-lt"/>
+                <a:ea typeface="+mj-ea"/>
+                <a:cs typeface="+mj-cs"/>
+              </a:defRPr>
+            </a:lvl1pPr>
+          </a:lstStyle>
+          <a:p>
+            <a:pPr algn="ctr"/>
+            <a:r>
+              <a:rPr lang="en-US" sz="3600" b="1" dirty="0">
+                <a:solidFill>
+                  <a:srgbClr val="00B050"/>
+                </a:solidFill>
+              </a:rPr>
+              <a:t>#docker run -it --name </a:t>
+            </a:r>
+            <a:r>
+              <a:rPr lang="ko-KR" altLang="en-US" sz="2800" dirty="0">
+                <a:solidFill>
+                  <a:srgbClr val="00B050"/>
+                </a:solidFill>
+              </a:rPr>
+              <a:t>이름</a:t>
+            </a:r>
+            <a:r>
+              <a:rPr lang="en-US" sz="3600" b="1" dirty="0">
+                <a:solidFill>
+                  <a:srgbClr val="00B050"/>
+                </a:solidFill>
+              </a:rPr>
+              <a:t> -p 8080:8080 </a:t>
+            </a:r>
+            <a:r>
+              <a:rPr lang="ko-KR" altLang="en-US" sz="2800" dirty="0">
+                <a:solidFill>
+                  <a:srgbClr val="00B050"/>
+                </a:solidFill>
+              </a:rPr>
+              <a:t>이미지</a:t>
+            </a:r>
+            <a:r>
+              <a:rPr lang="en-US" altLang="ko-KR" sz="2800" dirty="0">
+                <a:solidFill>
+                  <a:srgbClr val="00B050"/>
+                </a:solidFill>
+              </a:rPr>
+              <a:t> </a:t>
+            </a:r>
+            <a:r>
+              <a:rPr lang="ko-KR" altLang="en-US" sz="2800" dirty="0" err="1">
+                <a:solidFill>
+                  <a:srgbClr val="00B050"/>
+                </a:solidFill>
+              </a:rPr>
+              <a:t>이름</a:t>
+            </a:r>
+            <a:r>
+              <a:rPr lang="ko-KR" altLang="en-US" sz="1600" dirty="0" err="1">
+                <a:solidFill>
+                  <a:srgbClr val="00B050"/>
+                </a:solidFill>
+              </a:rPr>
+              <a:t>또는</a:t>
+            </a:r>
+            <a:r>
+              <a:rPr lang="en-US" altLang="ko-KR" sz="2800" dirty="0">
+                <a:solidFill>
+                  <a:srgbClr val="00B050"/>
+                </a:solidFill>
+              </a:rPr>
+              <a:t>id</a:t>
+            </a:r>
+            <a:endParaRPr lang="en-US" sz="3600" dirty="0">
+              <a:solidFill>
+                <a:srgbClr val="00B050"/>
+              </a:solidFill>
+            </a:endParaRPr>
+          </a:p>
+          <a:p>
+            <a:endParaRPr lang="en-KR" dirty="0"/>
+          </a:p>
+        </p:txBody>
+      </p:sp>
+    </p:spTree>
+    <p:extLst>
+      <p:ext uri="{BB962C8B-B14F-4D97-AF65-F5344CB8AC3E}">
+        <p14:creationId xmlns:p14="http://schemas.microsoft.com/office/powerpoint/2010/main" val="3841263173"/>
+      </p:ext>
+    </p:extLst>
+  </p:cSld>
+  <p:clrMapOvr>
+    <a:masterClrMapping/>
+  </p:clrMapOvr>
+</p:sld>
+</file>
+
+<file path=ppt/slides/slide18.xml><?xml version="1.0" encoding="utf-8"?>
+<p:sld xmlns:a="http://schemas.openxmlformats.org/drawingml/2006/main" xmlns:r="http://schemas.openxmlformats.org/officeDocument/2006/relationships" xmlns:p="http://schemas.openxmlformats.org/presentationml/2006/main">
+  <p:cSld>
+    <p:spTree>
+      <p:nvGrpSpPr>
+        <p:cNvPr id="1" name=""/>
+        <p:cNvGrpSpPr/>
+        <p:nvPr/>
+      </p:nvGrpSpPr>
+      <p:grpSpPr>
+        <a:xfrm>
+          <a:off x="0" y="0"/>
+          <a:ext cx="0" cy="0"/>
+          <a:chOff x="0" y="0"/>
+          <a:chExt cx="0" cy="0"/>
+        </a:xfrm>
+      </p:grpSpPr>
+      <p:sp>
+        <p:nvSpPr>
+          <p:cNvPr id="2" name="Title 1">
+            <a:extLst>
+              <a:ext uri="{FF2B5EF4-FFF2-40B4-BE49-F238E27FC236}">
+                <a16:creationId xmlns:a16="http://schemas.microsoft.com/office/drawing/2014/main" id="{FF4670CD-6210-4F4D-A029-4FC975A4AC76}"/>
+              </a:ext>
+            </a:extLst>
+          </p:cNvPr>
+          <p:cNvSpPr>
+            <a:spLocks noGrp="1"/>
+          </p:cNvSpPr>
+          <p:nvPr>
+            <p:ph type="title"/>
+          </p:nvPr>
+        </p:nvSpPr>
+        <p:spPr/>
+        <p:txBody>
+          <a:bodyPr/>
+          <a:lstStyle/>
+          <a:p>
+            <a:r>
+              <a:rPr lang="en-US" dirty="0"/>
+              <a:t>Managing container</a:t>
+            </a:r>
+            <a:endParaRPr lang="en-KR" dirty="0"/>
+          </a:p>
+        </p:txBody>
+      </p:sp>
+      <p:sp>
+        <p:nvSpPr>
+          <p:cNvPr id="3" name="Content Placeholder 2">
+            <a:extLst>
+              <a:ext uri="{FF2B5EF4-FFF2-40B4-BE49-F238E27FC236}">
+                <a16:creationId xmlns:a16="http://schemas.microsoft.com/office/drawing/2014/main" id="{E1222AAA-3764-C947-8914-10FC59D64A87}"/>
+              </a:ext>
+            </a:extLst>
+          </p:cNvPr>
+          <p:cNvSpPr>
+            <a:spLocks noGrp="1"/>
+          </p:cNvSpPr>
+          <p:nvPr>
+            <p:ph idx="1"/>
+          </p:nvPr>
+        </p:nvSpPr>
+        <p:spPr>
+          <a:xfrm>
+            <a:off x="838200" y="1690688"/>
+            <a:ext cx="10515600" cy="4934047"/>
+          </a:xfrm>
+        </p:spPr>
+        <p:txBody>
+          <a:bodyPr>
+            <a:normAutofit fontScale="92500" lnSpcReduction="20000"/>
+          </a:bodyPr>
+          <a:lstStyle/>
+          <a:p>
+            <a:r>
+              <a:rPr lang="en-US" sz="3000" dirty="0"/>
+              <a:t>docker </a:t>
+            </a:r>
+            <a:r>
+              <a:rPr lang="en-US" sz="3000" dirty="0" err="1"/>
+              <a:t>ps</a:t>
+            </a:r>
+            <a:endParaRPr lang="en-US" sz="3000" dirty="0"/>
+          </a:p>
+          <a:p>
+            <a:endParaRPr lang="en-US" altLang="ko-KR" sz="3000" dirty="0"/>
+          </a:p>
+          <a:p>
+            <a:r>
+              <a:rPr lang="en-US" altLang="ko-KR" sz="3000" dirty="0"/>
+              <a:t>docker </a:t>
+            </a:r>
+            <a:r>
+              <a:rPr lang="en-US" altLang="ko-KR" sz="3000" dirty="0" err="1"/>
+              <a:t>ps</a:t>
+            </a:r>
+            <a:r>
+              <a:rPr lang="en-US" altLang="ko-KR" sz="3000" dirty="0"/>
+              <a:t> –a</a:t>
+            </a:r>
+          </a:p>
+          <a:p>
+            <a:endParaRPr lang="en-US" sz="3000" dirty="0"/>
+          </a:p>
+          <a:p>
+            <a:r>
+              <a:rPr lang="en-US" sz="3000" dirty="0"/>
+              <a:t>docker rm [</a:t>
+            </a:r>
+            <a:r>
+              <a:rPr lang="ko-KR" altLang="en-US" sz="3000" dirty="0"/>
+              <a:t>컨테이너 </a:t>
+            </a:r>
+            <a:r>
+              <a:rPr lang="en-US" altLang="ko-KR" sz="3000" dirty="0"/>
+              <a:t>id</a:t>
+            </a:r>
+            <a:r>
+              <a:rPr lang="en-US" sz="3000" dirty="0"/>
+              <a:t>]</a:t>
+            </a:r>
+            <a:r>
+              <a:rPr lang="ko-KR" altLang="en-US" sz="3000" dirty="0"/>
+              <a:t> </a:t>
+            </a:r>
+            <a:r>
+              <a:rPr lang="en-US" sz="3000" dirty="0"/>
+              <a:t> &lt; [</a:t>
+            </a:r>
+            <a:r>
+              <a:rPr lang="ko-KR" altLang="en-US" sz="3000" dirty="0"/>
+              <a:t>컨테이너 </a:t>
+            </a:r>
+            <a:r>
+              <a:rPr lang="en-US" altLang="ko-KR" sz="3000" dirty="0"/>
+              <a:t>id</a:t>
+            </a:r>
+            <a:r>
+              <a:rPr lang="en-US" sz="3000" dirty="0"/>
+              <a:t>]. . . . .&gt; //</a:t>
+            </a:r>
+            <a:r>
+              <a:rPr lang="ko-KR" altLang="en-US" sz="3000" dirty="0"/>
+              <a:t>동시에 </a:t>
+            </a:r>
+            <a:r>
+              <a:rPr lang="ko-KR" altLang="en-US" sz="3000" dirty="0" err="1"/>
+              <a:t>여러개</a:t>
+            </a:r>
+            <a:endParaRPr lang="en-US" altLang="ko-KR" sz="3000" dirty="0"/>
+          </a:p>
+          <a:p>
+            <a:pPr marL="0" indent="0">
+              <a:buNone/>
+            </a:pPr>
+            <a:r>
+              <a:rPr lang="ko-KR" altLang="en-US" sz="3000" dirty="0"/>
+              <a:t>  가능</a:t>
+            </a:r>
+            <a:endParaRPr lang="en-US" altLang="ko-KR" sz="3000" dirty="0"/>
+          </a:p>
+          <a:p>
+            <a:endParaRPr lang="en-US" altLang="ko-KR" sz="3000" dirty="0"/>
+          </a:p>
+          <a:p>
+            <a:r>
+              <a:rPr lang="en-US" altLang="ko-KR" sz="3000" dirty="0"/>
+              <a:t>docker start [id]</a:t>
+            </a:r>
+          </a:p>
+          <a:p>
+            <a:r>
+              <a:rPr lang="en-US" altLang="ko-KR" sz="3000" dirty="0"/>
+              <a:t>docker stop [id]</a:t>
+            </a:r>
+          </a:p>
+          <a:p>
+            <a:r>
+              <a:rPr lang="en-US" altLang="ko-KR" sz="3000" dirty="0"/>
+              <a:t>docker restart [id]</a:t>
+            </a:r>
+          </a:p>
+          <a:p>
+            <a:r>
+              <a:rPr lang="en-US" altLang="ko-KR" sz="3000" dirty="0"/>
+              <a:t>docker attach [id] 	//</a:t>
+            </a:r>
+            <a:r>
+              <a:rPr lang="ko-KR" altLang="en-US" sz="3000" dirty="0"/>
+              <a:t>컨테이너에 직접 접속</a:t>
+            </a:r>
+            <a:endParaRPr lang="en-US" altLang="ko-KR" sz="3000" dirty="0"/>
+          </a:p>
+          <a:p>
+            <a:endParaRPr lang="en-US" sz="2000" dirty="0"/>
+          </a:p>
+          <a:p>
+            <a:endParaRPr lang="en-US" dirty="0"/>
+          </a:p>
+        </p:txBody>
+      </p:sp>
+    </p:spTree>
+    <p:extLst>
+      <p:ext uri="{BB962C8B-B14F-4D97-AF65-F5344CB8AC3E}">
+        <p14:creationId xmlns:p14="http://schemas.microsoft.com/office/powerpoint/2010/main" val="1536706391"/>
       </p:ext>
     </p:extLst>
   </p:cSld>
@@ -5823,7 +7527,7 @@
         </p:blipFill>
         <p:spPr>
           <a:xfrm>
-            <a:off x="221750" y="1906457"/>
+            <a:off x="149830" y="1421265"/>
             <a:ext cx="3682429" cy="3045086"/>
           </a:xfrm>
         </p:spPr>
@@ -5850,7 +7554,7 @@
         </p:blipFill>
         <p:spPr>
           <a:xfrm>
-            <a:off x="3832259" y="1988477"/>
+            <a:off x="3832259" y="1461692"/>
             <a:ext cx="3682429" cy="3045086"/>
           </a:xfrm>
           <a:prstGeom prst="rect">
@@ -5880,8 +7584,68 @@
         </p:blipFill>
         <p:spPr>
           <a:xfrm>
-            <a:off x="7514688" y="1988477"/>
+            <a:off x="7593029" y="1421265"/>
             <a:ext cx="3682430" cy="2963065"/>
+          </a:xfrm>
+          <a:prstGeom prst="rect">
+            <a:avLst/>
+          </a:prstGeom>
+        </p:spPr>
+      </p:pic>
+      <p:pic>
+        <p:nvPicPr>
+          <p:cNvPr id="16" name="Picture 15">
+            <a:extLst>
+              <a:ext uri="{FF2B5EF4-FFF2-40B4-BE49-F238E27FC236}">
+                <a16:creationId xmlns:a16="http://schemas.microsoft.com/office/drawing/2014/main" id="{8CCEC5E7-60AD-5F41-AEAA-D3FD475AC44E}"/>
+              </a:ext>
+            </a:extLst>
+          </p:cNvPr>
+          <p:cNvPicPr>
+            <a:picLocks noChangeAspect="1"/>
+          </p:cNvPicPr>
+          <p:nvPr/>
+        </p:nvPicPr>
+        <p:blipFill>
+          <a:blip r:embed="rId6"/>
+          <a:stretch>
+            <a:fillRect/>
+          </a:stretch>
+        </p:blipFill>
+        <p:spPr>
+          <a:xfrm>
+            <a:off x="7891228" y="4330179"/>
+            <a:ext cx="3086032" cy="2213111"/>
+          </a:xfrm>
+          <a:prstGeom prst="rect">
+            <a:avLst/>
+          </a:prstGeom>
+        </p:spPr>
+      </p:pic>
+      <p:pic>
+        <p:nvPicPr>
+          <p:cNvPr id="18" name="Picture 17">
+            <a:extLst>
+              <a:ext uri="{FF2B5EF4-FFF2-40B4-BE49-F238E27FC236}">
+                <a16:creationId xmlns:a16="http://schemas.microsoft.com/office/drawing/2014/main" id="{204A0953-C00A-084F-A5A8-8B2D81C1C096}"/>
+              </a:ext>
+            </a:extLst>
+          </p:cNvPr>
+          <p:cNvPicPr>
+            <a:picLocks noChangeAspect="1"/>
+          </p:cNvPicPr>
+          <p:nvPr/>
+        </p:nvPicPr>
+        <p:blipFill>
+          <a:blip r:embed="rId7"/>
+          <a:stretch>
+            <a:fillRect/>
+          </a:stretch>
+        </p:blipFill>
+        <p:spPr>
+          <a:xfrm>
+            <a:off x="838200" y="4242934"/>
+            <a:ext cx="6502400" cy="2387600"/>
           </a:xfrm>
           <a:prstGeom prst="rect">
             <a:avLst/>
@@ -6491,6 +8255,149 @@
           </p:pic>
         </mc:Fallback>
       </mc:AlternateContent>
+      <p:sp>
+        <p:nvSpPr>
+          <p:cNvPr id="15" name="TextBox 14">
+            <a:extLst>
+              <a:ext uri="{FF2B5EF4-FFF2-40B4-BE49-F238E27FC236}">
+                <a16:creationId xmlns:a16="http://schemas.microsoft.com/office/drawing/2014/main" id="{3FAB00AE-6E80-F741-BD18-126E7A7A8577}"/>
+              </a:ext>
+            </a:extLst>
+          </p:cNvPr>
+          <p:cNvSpPr txBox="1"/>
+          <p:nvPr/>
+        </p:nvSpPr>
+        <p:spPr>
+          <a:xfrm>
+            <a:off x="666062" y="5601036"/>
+            <a:ext cx="2793804" cy="830997"/>
+          </a:xfrm>
+          <a:prstGeom prst="rect">
+            <a:avLst/>
+          </a:prstGeom>
+          <a:noFill/>
+        </p:spPr>
+        <p:txBody>
+          <a:bodyPr wrap="square" rtlCol="0">
+            <a:spAutoFit/>
+          </a:bodyPr>
+          <a:lstStyle/>
+          <a:p>
+            <a:pPr algn="ctr"/>
+            <a:r>
+              <a:rPr lang="ko-KR" altLang="en-US" sz="2400" dirty="0"/>
+              <a:t>호스트</a:t>
+            </a:r>
+            <a:r>
+              <a:rPr lang="en-US" altLang="ko-KR" sz="2400" dirty="0" err="1"/>
+              <a:t>os</a:t>
+            </a:r>
+            <a:r>
+              <a:rPr lang="ko-KR" altLang="en-US" sz="2400" dirty="0"/>
+              <a:t>형</a:t>
+            </a:r>
+            <a:endParaRPr lang="en-US" altLang="ko-KR" sz="2400" dirty="0"/>
+          </a:p>
+          <a:p>
+            <a:pPr algn="ctr"/>
+            <a:r>
+              <a:rPr lang="ko-KR" altLang="en-US" sz="2400" dirty="0"/>
+              <a:t>가상화</a:t>
+            </a:r>
+            <a:endParaRPr lang="en-US" altLang="ko-KR" sz="2400" dirty="0"/>
+          </a:p>
+        </p:txBody>
+      </p:sp>
+      <p:sp>
+        <p:nvSpPr>
+          <p:cNvPr id="16" name="TextBox 15">
+            <a:extLst>
+              <a:ext uri="{FF2B5EF4-FFF2-40B4-BE49-F238E27FC236}">
+                <a16:creationId xmlns:a16="http://schemas.microsoft.com/office/drawing/2014/main" id="{5CBF22CF-1CBC-9344-9810-85CB7767D2DE}"/>
+              </a:ext>
+            </a:extLst>
+          </p:cNvPr>
+          <p:cNvSpPr txBox="1"/>
+          <p:nvPr/>
+        </p:nvSpPr>
+        <p:spPr>
+          <a:xfrm>
+            <a:off x="7959001" y="5601036"/>
+            <a:ext cx="2793804" cy="830997"/>
+          </a:xfrm>
+          <a:prstGeom prst="rect">
+            <a:avLst/>
+          </a:prstGeom>
+          <a:noFill/>
+        </p:spPr>
+        <p:txBody>
+          <a:bodyPr wrap="square" rtlCol="0">
+            <a:spAutoFit/>
+          </a:bodyPr>
+          <a:lstStyle/>
+          <a:p>
+            <a:pPr algn="ctr"/>
+            <a:r>
+              <a:rPr lang="ko-KR" altLang="en-US" sz="2400" dirty="0" err="1"/>
+              <a:t>컨테이너형</a:t>
+            </a:r>
+            <a:endParaRPr lang="en-US" altLang="ko-KR" sz="2400" dirty="0"/>
+          </a:p>
+          <a:p>
+            <a:pPr algn="ctr"/>
+            <a:r>
+              <a:rPr lang="ko-KR" altLang="en-US" sz="2400" dirty="0"/>
+              <a:t>가상화</a:t>
+            </a:r>
+            <a:endParaRPr lang="en-US" altLang="ko-KR" sz="2400" dirty="0"/>
+          </a:p>
+        </p:txBody>
+      </p:sp>
+      <p:sp>
+        <p:nvSpPr>
+          <p:cNvPr id="17" name="TextBox 16">
+            <a:extLst>
+              <a:ext uri="{FF2B5EF4-FFF2-40B4-BE49-F238E27FC236}">
+                <a16:creationId xmlns:a16="http://schemas.microsoft.com/office/drawing/2014/main" id="{C28E6537-E4CE-7943-966B-90F2EC8C22ED}"/>
+              </a:ext>
+            </a:extLst>
+          </p:cNvPr>
+          <p:cNvSpPr txBox="1"/>
+          <p:nvPr/>
+        </p:nvSpPr>
+        <p:spPr>
+          <a:xfrm>
+            <a:off x="4276571" y="5623416"/>
+            <a:ext cx="2793804" cy="830997"/>
+          </a:xfrm>
+          <a:prstGeom prst="rect">
+            <a:avLst/>
+          </a:prstGeom>
+          <a:noFill/>
+        </p:spPr>
+        <p:txBody>
+          <a:bodyPr wrap="square" rtlCol="0">
+            <a:spAutoFit/>
+          </a:bodyPr>
+          <a:lstStyle/>
+          <a:p>
+            <a:pPr algn="ctr"/>
+            <a:r>
+              <a:rPr lang="ko-KR" altLang="en-US" sz="2400" dirty="0" err="1"/>
+              <a:t>하이퍼바이저형</a:t>
+            </a:r>
+            <a:endParaRPr lang="en-US" altLang="ko-KR" sz="2400" dirty="0"/>
+          </a:p>
+          <a:p>
+            <a:pPr algn="ctr"/>
+            <a:r>
+              <a:rPr lang="ko-KR" altLang="en-US" sz="2400" dirty="0"/>
+              <a:t>가상화</a:t>
+            </a:r>
+            <a:endParaRPr lang="en-US" altLang="ko-KR" sz="2400" dirty="0"/>
+          </a:p>
+        </p:txBody>
+      </p:sp>
     </p:spTree>
     <p:extLst>
       <p:ext uri="{BB962C8B-B14F-4D97-AF65-F5344CB8AC3E}">
@@ -6869,7 +8776,7 @@
                   <a:srgbClr val="0070C0"/>
                 </a:solidFill>
               </a:rPr>
-              <a:t>덜 사용 하니까</a:t>
+              <a:t>트래픽 덜 사용 하니까</a:t>
             </a:r>
             <a:endParaRPr lang="en-US" altLang="ko-KR" dirty="0">
               <a:solidFill>
